--- a/project_1_tech_abc_hr_management/Project_report.pptx
+++ b/project_1_tech_abc_hr_management/Project_report.pptx
@@ -303,6 +303,11 @@
       </a:defRPr>
     </a:lvl9pPr>
   </p:defaultTextStyle>
+  <p:extLst>
+    <p:ext uri="{EFAFB233-063F-42B5-8137-9DF3F51BA10A}">
+      <p15:sldGuideLst xmlns:p15="http://schemas.microsoft.com/office/powerpoint/2012/main"/>
+    </p:ext>
+  </p:extLst>
 </p:presentation>
 </file>
 
@@ -984,8 +989,8 @@
         </p:nvSpPr>
         <p:spPr>
           <a:xfrm>
-            <a:off x="2104459" y="685800"/>
-            <a:ext cx="2649600" cy="3429000"/>
+            <a:off x="2105025" y="685800"/>
+            <a:ext cx="2649538" cy="3429000"/>
           </a:xfrm>
           <a:custGeom>
             <a:avLst/>
@@ -1088,8 +1093,8 @@
         </p:nvSpPr>
         <p:spPr>
           <a:xfrm>
-            <a:off x="2104459" y="685800"/>
-            <a:ext cx="2649600" cy="3429000"/>
+            <a:off x="2105025" y="685800"/>
+            <a:ext cx="2649538" cy="3429000"/>
           </a:xfrm>
           <a:custGeom>
             <a:avLst/>
@@ -1192,8 +1197,8 @@
         </p:nvSpPr>
         <p:spPr>
           <a:xfrm>
-            <a:off x="2104459" y="685800"/>
-            <a:ext cx="2649600" cy="3429000"/>
+            <a:off x="2105025" y="685800"/>
+            <a:ext cx="2649538" cy="3429000"/>
           </a:xfrm>
           <a:custGeom>
             <a:avLst/>
@@ -1508,8 +1513,8 @@
         </p:nvSpPr>
         <p:spPr>
           <a:xfrm>
-            <a:off x="2104480" y="685800"/>
-            <a:ext cx="2649600" cy="3429000"/>
+            <a:off x="2105025" y="685800"/>
+            <a:ext cx="2649538" cy="3429000"/>
           </a:xfrm>
           <a:custGeom>
             <a:avLst/>
@@ -1612,8 +1617,8 @@
         </p:nvSpPr>
         <p:spPr>
           <a:xfrm>
-            <a:off x="2104459" y="685800"/>
-            <a:ext cx="2649600" cy="3429000"/>
+            <a:off x="2105025" y="685800"/>
+            <a:ext cx="2649538" cy="3429000"/>
           </a:xfrm>
           <a:custGeom>
             <a:avLst/>
@@ -1716,8 +1721,8 @@
         </p:nvSpPr>
         <p:spPr>
           <a:xfrm>
-            <a:off x="2104459" y="685800"/>
-            <a:ext cx="2649600" cy="3429000"/>
+            <a:off x="2105025" y="685800"/>
+            <a:ext cx="2649538" cy="3429000"/>
           </a:xfrm>
           <a:custGeom>
             <a:avLst/>
@@ -1820,8 +1825,8 @@
         </p:nvSpPr>
         <p:spPr>
           <a:xfrm>
-            <a:off x="2104459" y="685800"/>
-            <a:ext cx="2649600" cy="3429000"/>
+            <a:off x="2105025" y="685800"/>
+            <a:ext cx="2649538" cy="3429000"/>
           </a:xfrm>
           <a:custGeom>
             <a:avLst/>
@@ -2028,8 +2033,8 @@
         </p:nvSpPr>
         <p:spPr>
           <a:xfrm>
-            <a:off x="2104459" y="685800"/>
-            <a:ext cx="2649600" cy="3429000"/>
+            <a:off x="2105025" y="685800"/>
+            <a:ext cx="2649538" cy="3429000"/>
           </a:xfrm>
           <a:custGeom>
             <a:avLst/>
@@ -2132,8 +2137,8 @@
         </p:nvSpPr>
         <p:spPr>
           <a:xfrm>
-            <a:off x="2104459" y="685800"/>
-            <a:ext cx="2649600" cy="3429000"/>
+            <a:off x="2105025" y="685800"/>
+            <a:ext cx="2649538" cy="3429000"/>
           </a:xfrm>
           <a:custGeom>
             <a:avLst/>
@@ -2236,8 +2241,8 @@
         </p:nvSpPr>
         <p:spPr>
           <a:xfrm>
-            <a:off x="2104459" y="685800"/>
-            <a:ext cx="2649600" cy="3429000"/>
+            <a:off x="2105025" y="685800"/>
+            <a:ext cx="2649538" cy="3429000"/>
           </a:xfrm>
           <a:custGeom>
             <a:avLst/>
@@ -2340,8 +2345,8 @@
         </p:nvSpPr>
         <p:spPr>
           <a:xfrm>
-            <a:off x="2104459" y="685800"/>
-            <a:ext cx="2649600" cy="3429000"/>
+            <a:off x="2105025" y="685800"/>
+            <a:ext cx="2649538" cy="3429000"/>
           </a:xfrm>
           <a:custGeom>
             <a:avLst/>
@@ -2656,8 +2661,8 @@
         </p:nvSpPr>
         <p:spPr>
           <a:xfrm>
-            <a:off x="2104459" y="685800"/>
-            <a:ext cx="2649600" cy="3429000"/>
+            <a:off x="2105025" y="685800"/>
+            <a:ext cx="2649538" cy="3429000"/>
           </a:xfrm>
           <a:custGeom>
             <a:avLst/>
@@ -2760,8 +2765,8 @@
         </p:nvSpPr>
         <p:spPr>
           <a:xfrm>
-            <a:off x="2104459" y="685800"/>
-            <a:ext cx="2649600" cy="3429000"/>
+            <a:off x="2105025" y="685800"/>
+            <a:ext cx="2649538" cy="3429000"/>
           </a:xfrm>
           <a:custGeom>
             <a:avLst/>
@@ -2864,8 +2869,8 @@
         </p:nvSpPr>
         <p:spPr>
           <a:xfrm>
-            <a:off x="2104459" y="685800"/>
-            <a:ext cx="2649600" cy="3429000"/>
+            <a:off x="2105025" y="685800"/>
+            <a:ext cx="2649538" cy="3429000"/>
           </a:xfrm>
           <a:custGeom>
             <a:avLst/>
@@ -28365,7 +28370,7 @@
               <a:buChar char="●"/>
             </a:pPr>
             <a:r>
-              <a:rPr lang="en" sz="1900" b="1">
+              <a:rPr lang="en" sz="1900" b="1" dirty="0">
                 <a:latin typeface="Open Sans"/>
                 <a:ea typeface="Open Sans"/>
                 <a:cs typeface="Open Sans"/>
@@ -28373,7 +28378,7 @@
               </a:rPr>
               <a:t>Conceptual</a:t>
             </a:r>
-            <a:endParaRPr sz="1900" b="1">
+            <a:endParaRPr sz="1900" b="1" dirty="0">
               <a:latin typeface="Open Sans"/>
               <a:ea typeface="Open Sans"/>
               <a:cs typeface="Open Sans"/>
@@ -28394,7 +28399,7 @@
               <a:buNone/>
             </a:pPr>
             <a:r>
-              <a:rPr lang="en" sz="1200">
+              <a:rPr lang="en" sz="1200" dirty="0">
                 <a:solidFill>
                   <a:srgbClr val="525C65"/>
                 </a:solidFill>
@@ -28408,7 +28413,7 @@
               </a:rPr>
               <a:t>This is the most general level of data modeling. At the conceptual level, you should be thinking about creating entities that represent business objects for the database. Think broadly here. Attributes (or column names) are not required at this point, but relationship lines are required (although Crow's foot notation is not needed at this level). Create at least three entities for this model; thinking about the 3NF will aid you in deciding the type of entities to create.</a:t>
             </a:r>
-            <a:endParaRPr sz="1200">
+            <a:endParaRPr sz="1200" dirty="0">
               <a:solidFill>
                 <a:srgbClr val="525C65"/>
               </a:solidFill>
@@ -28435,7 +28440,7 @@
               <a:buNone/>
             </a:pPr>
             <a:r>
-              <a:rPr lang="en" sz="1200">
+              <a:rPr lang="en" sz="1200" dirty="0">
                 <a:solidFill>
                   <a:srgbClr val="525C65"/>
                 </a:solidFill>
@@ -28449,7 +28454,7 @@
               </a:rPr>
               <a:t>Use Lucidchart’s built-in template for DBMS ER Diagram UML.</a:t>
             </a:r>
-            <a:endParaRPr sz="1200">
+            <a:endParaRPr sz="1200" dirty="0">
               <a:solidFill>
                 <a:srgbClr val="525C65"/>
               </a:solidFill>
@@ -28475,7 +28480,7 @@
               </a:spcAft>
               <a:buNone/>
             </a:pPr>
-            <a:endParaRPr sz="1200">
+            <a:endParaRPr sz="1200" dirty="0">
               <a:solidFill>
                 <a:srgbClr val="525C65"/>
               </a:solidFill>
@@ -28489,73 +28494,6 @@
             </a:endParaRPr>
           </a:p>
           <a:p>
-            <a:pPr marL="0" lvl="0" indent="0" algn="l" rtl="0">
-              <a:lnSpc>
-                <a:spcPct val="170000"/>
-              </a:lnSpc>
-              <a:spcBef>
-                <a:spcPts val="0"/>
-              </a:spcBef>
-              <a:spcAft>
-                <a:spcPts val="0"/>
-              </a:spcAft>
-              <a:buNone/>
-            </a:pPr>
-            <a:r>
-              <a:rPr lang="en" sz="1200">
-                <a:solidFill>
-                  <a:srgbClr val="FF0000"/>
-                </a:solidFill>
-                <a:highlight>
-                  <a:srgbClr val="FFFFFF"/>
-                </a:highlight>
-                <a:latin typeface="Open Sans"/>
-                <a:ea typeface="Open Sans"/>
-                <a:cs typeface="Open Sans"/>
-                <a:sym typeface="Open Sans"/>
-              </a:rPr>
-              <a:t>** Replace example screenshot below with your response</a:t>
-            </a:r>
-            <a:endParaRPr sz="1200">
-              <a:solidFill>
-                <a:srgbClr val="FF0000"/>
-              </a:solidFill>
-              <a:highlight>
-                <a:srgbClr val="FFFFFF"/>
-              </a:highlight>
-              <a:latin typeface="Open Sans"/>
-              <a:ea typeface="Open Sans"/>
-              <a:cs typeface="Open Sans"/>
-              <a:sym typeface="Open Sans"/>
-            </a:endParaRPr>
-          </a:p>
-          <a:p>
-            <a:pPr marL="0" lvl="0" indent="0" algn="l" rtl="0">
-              <a:lnSpc>
-                <a:spcPct val="170000"/>
-              </a:lnSpc>
-              <a:spcBef>
-                <a:spcPts val="0"/>
-              </a:spcBef>
-              <a:spcAft>
-                <a:spcPts val="0"/>
-              </a:spcAft>
-              <a:buNone/>
-            </a:pPr>
-            <a:endParaRPr sz="1200">
-              <a:solidFill>
-                <a:srgbClr val="525C65"/>
-              </a:solidFill>
-              <a:highlight>
-                <a:srgbClr val="FFFFFF"/>
-              </a:highlight>
-              <a:latin typeface="Open Sans"/>
-              <a:ea typeface="Open Sans"/>
-              <a:cs typeface="Open Sans"/>
-              <a:sym typeface="Open Sans"/>
-            </a:endParaRPr>
-          </a:p>
-          <a:p>
             <a:pPr marL="457200" lvl="0" indent="0" algn="l" rtl="0">
               <a:spcBef>
                 <a:spcPts val="0"/>
@@ -28570,42 +28508,38 @@
               <a:buFont typeface="Arial"/>
               <a:buNone/>
             </a:pPr>
-            <a:endParaRPr sz="1900"/>
+            <a:endParaRPr sz="1900" dirty="0"/>
           </a:p>
         </p:txBody>
       </p:sp>
       <p:pic>
         <p:nvPicPr>
-          <p:cNvPr id="250" name="Google Shape;250;p62"/>
-          <p:cNvPicPr preferRelativeResize="0"/>
+          <p:cNvPr id="4" name="Picture 3">
+            <a:extLst>
+              <a:ext uri="{FF2B5EF4-FFF2-40B4-BE49-F238E27FC236}">
+                <a16:creationId xmlns:a16="http://schemas.microsoft.com/office/drawing/2014/main" id="{B6875740-D91B-4EAD-35C7-67B67456C706}"/>
+              </a:ext>
+            </a:extLst>
+          </p:cNvPr>
+          <p:cNvPicPr>
+            <a:picLocks noChangeAspect="1"/>
+          </p:cNvPicPr>
           <p:nvPr/>
         </p:nvPicPr>
         <p:blipFill>
-          <a:blip r:embed="rId3">
-            <a:alphaModFix/>
-          </a:blip>
+          <a:blip r:embed="rId3"/>
           <a:stretch>
             <a:fillRect/>
           </a:stretch>
         </p:blipFill>
         <p:spPr>
           <a:xfrm>
-            <a:off x="755850" y="5786403"/>
-            <a:ext cx="6085425" cy="2570274"/>
+            <a:off x="264850" y="5029199"/>
+            <a:ext cx="7064205" cy="4930913"/>
           </a:xfrm>
           <a:prstGeom prst="rect">
             <a:avLst/>
           </a:prstGeom>
-          <a:noFill/>
-          <a:ln w="9525" cap="flat" cmpd="sng">
-            <a:solidFill>
-              <a:schemeClr val="dk2"/>
-            </a:solidFill>
-            <a:prstDash val="solid"/>
-            <a:round/>
-            <a:headEnd type="none" w="sm" len="sm"/>
-            <a:tailEnd type="none" w="sm" len="sm"/>
-          </a:ln>
         </p:spPr>
       </p:pic>
     </p:spTree>
@@ -28712,7 +28646,7 @@
               <a:buChar char="●"/>
             </a:pPr>
             <a:r>
-              <a:rPr lang="en" sz="1900" b="1">
+              <a:rPr lang="en" sz="1900" b="1" dirty="0">
                 <a:latin typeface="Open Sans"/>
                 <a:ea typeface="Open Sans"/>
                 <a:cs typeface="Open Sans"/>
@@ -28720,7 +28654,7 @@
               </a:rPr>
               <a:t>Logical</a:t>
             </a:r>
-            <a:endParaRPr sz="1900" b="1">
+            <a:endParaRPr sz="1900" b="1" dirty="0">
               <a:latin typeface="Open Sans"/>
               <a:ea typeface="Open Sans"/>
               <a:cs typeface="Open Sans"/>
@@ -28741,7 +28675,7 @@
               <a:buNone/>
             </a:pPr>
             <a:r>
-              <a:rPr lang="en" sz="1400">
+              <a:rPr lang="en" sz="1400" dirty="0">
                 <a:solidFill>
                   <a:srgbClr val="525C65"/>
                 </a:solidFill>
@@ -28755,7 +28689,7 @@
               </a:rPr>
               <a:t>The logical model is the next level of refinement from the conceptual ERD. At this point, you should have normalized the data to the 3NF. Attributes should also be listed now in the ERD. You can still use human-friendly entity and attribute names in the logical model, and while relationship lines are required, Crow's foot notation is still not needed at this point.</a:t>
             </a:r>
-            <a:endParaRPr sz="1400">
+            <a:endParaRPr sz="1400" dirty="0">
               <a:solidFill>
                 <a:srgbClr val="525C65"/>
               </a:solidFill>
@@ -28782,7 +28716,7 @@
               <a:buNone/>
             </a:pPr>
             <a:r>
-              <a:rPr lang="en" sz="1400">
+              <a:rPr lang="en" sz="1400" dirty="0">
                 <a:solidFill>
                   <a:srgbClr val="525C65"/>
                 </a:solidFill>
@@ -28796,7 +28730,7 @@
               </a:rPr>
               <a:t>Use Lucidchart’s built-in template for DBMS ER Diagram UML.</a:t>
             </a:r>
-            <a:endParaRPr sz="1400">
+            <a:endParaRPr sz="1400" dirty="0">
               <a:solidFill>
                 <a:srgbClr val="525C65"/>
               </a:solidFill>
@@ -28827,7 +28761,7 @@
               <a:buFont typeface="Arial"/>
               <a:buNone/>
             </a:pPr>
-            <a:endParaRPr sz="1200">
+            <a:endParaRPr sz="1200" dirty="0">
               <a:solidFill>
                 <a:srgbClr val="525C65"/>
               </a:solidFill>
@@ -28841,62 +28775,40 @@
             </a:endParaRPr>
           </a:p>
           <a:p>
+            <a:pPr marL="457200" lvl="0" indent="0" algn="l" rtl="0">
+              <a:spcBef>
+                <a:spcPts val="0"/>
+              </a:spcBef>
+              <a:spcAft>
+                <a:spcPts val="0"/>
+              </a:spcAft>
+              <a:buNone/>
+            </a:pPr>
+            <a:endParaRPr sz="1900" dirty="0"/>
+          </a:p>
+          <a:p>
             <a:pPr marL="0" lvl="0" indent="0" algn="l" rtl="0">
-              <a:lnSpc>
-                <a:spcPct val="170000"/>
-              </a:lnSpc>
-              <a:spcBef>
-                <a:spcPts val="0"/>
-              </a:spcBef>
-              <a:spcAft>
-                <a:spcPts val="0"/>
-              </a:spcAft>
-              <a:buClr>
-                <a:schemeClr val="dk1"/>
-              </a:buClr>
-              <a:buSzPts val="1100"/>
-              <a:buFont typeface="Arial"/>
+              <a:spcBef>
+                <a:spcPts val="1600"/>
+              </a:spcBef>
+              <a:spcAft>
+                <a:spcPts val="0"/>
+              </a:spcAft>
               <a:buNone/>
             </a:pPr>
-            <a:r>
-              <a:rPr lang="en" sz="1200">
-                <a:solidFill>
-                  <a:srgbClr val="FF0000"/>
-                </a:solidFill>
-                <a:highlight>
-                  <a:schemeClr val="lt1"/>
-                </a:highlight>
-                <a:latin typeface="Open Sans"/>
-                <a:ea typeface="Open Sans"/>
-                <a:cs typeface="Open Sans"/>
-                <a:sym typeface="Open Sans"/>
-              </a:rPr>
-              <a:t>** Replace example screenshot below with your response</a:t>
-            </a:r>
-            <a:endParaRPr sz="1400">
-              <a:solidFill>
-                <a:srgbClr val="525C65"/>
-              </a:solidFill>
-              <a:highlight>
-                <a:srgbClr val="FFFFFF"/>
-              </a:highlight>
-              <a:latin typeface="Open Sans"/>
-              <a:ea typeface="Open Sans"/>
-              <a:cs typeface="Open Sans"/>
-              <a:sym typeface="Open Sans"/>
-            </a:endParaRPr>
-          </a:p>
-          <a:p>
-            <a:pPr marL="457200" lvl="0" indent="0" algn="l" rtl="0">
-              <a:spcBef>
-                <a:spcPts val="0"/>
+            <a:endParaRPr sz="1900" dirty="0"/>
+          </a:p>
+          <a:p>
+            <a:pPr marL="0" lvl="0" indent="0" algn="l" rtl="0">
+              <a:spcBef>
+                <a:spcPts val="1600"/>
               </a:spcBef>
               <a:spcAft>
                 <a:spcPts val="0"/>
               </a:spcAft>
               <a:buNone/>
             </a:pPr>
-            <a:endParaRPr sz="1900"/>
+            <a:endParaRPr sz="1900" dirty="0"/>
           </a:p>
           <a:p>
             <a:pPr marL="0" lvl="0" indent="0" algn="l" rtl="0">
@@ -28908,7 +28820,7 @@
               </a:spcAft>
               <a:buNone/>
             </a:pPr>
-            <a:endParaRPr sz="1900"/>
+            <a:endParaRPr sz="1900" dirty="0"/>
           </a:p>
           <a:p>
             <a:pPr marL="0" lvl="0" indent="0" algn="l" rtl="0">
@@ -28916,70 +28828,42 @@
                 <a:spcPts val="1600"/>
               </a:spcBef>
               <a:spcAft>
-                <a:spcPts val="0"/>
+                <a:spcPts val="1600"/>
               </a:spcAft>
               <a:buNone/>
             </a:pPr>
-            <a:endParaRPr sz="1900"/>
-          </a:p>
-          <a:p>
-            <a:pPr marL="0" lvl="0" indent="0" algn="l" rtl="0">
-              <a:spcBef>
-                <a:spcPts val="1600"/>
-              </a:spcBef>
-              <a:spcAft>
-                <a:spcPts val="0"/>
-              </a:spcAft>
-              <a:buNone/>
-            </a:pPr>
-            <a:endParaRPr sz="1900"/>
-          </a:p>
-          <a:p>
-            <a:pPr marL="0" lvl="0" indent="0" algn="l" rtl="0">
-              <a:spcBef>
-                <a:spcPts val="1600"/>
-              </a:spcBef>
-              <a:spcAft>
-                <a:spcPts val="1600"/>
-              </a:spcAft>
-              <a:buNone/>
-            </a:pPr>
-            <a:endParaRPr sz="1900"/>
+            <a:endParaRPr sz="1900" dirty="0"/>
           </a:p>
         </p:txBody>
       </p:sp>
       <p:pic>
         <p:nvPicPr>
-          <p:cNvPr id="257" name="Google Shape;257;p63"/>
-          <p:cNvPicPr preferRelativeResize="0"/>
+          <p:cNvPr id="3" name="Picture 2">
+            <a:extLst>
+              <a:ext uri="{FF2B5EF4-FFF2-40B4-BE49-F238E27FC236}">
+                <a16:creationId xmlns:a16="http://schemas.microsoft.com/office/drawing/2014/main" id="{4259421A-63E6-C2EC-F49F-7E70C2CFCD7C}"/>
+              </a:ext>
+            </a:extLst>
+          </p:cNvPr>
+          <p:cNvPicPr>
+            <a:picLocks noChangeAspect="1"/>
+          </p:cNvPicPr>
           <p:nvPr/>
         </p:nvPicPr>
         <p:blipFill>
-          <a:blip r:embed="rId3">
-            <a:alphaModFix/>
-          </a:blip>
+          <a:blip r:embed="rId3"/>
           <a:stretch>
             <a:fillRect/>
           </a:stretch>
         </p:blipFill>
         <p:spPr>
           <a:xfrm>
-            <a:off x="484950" y="5969175"/>
-            <a:ext cx="6802502" cy="3038826"/>
+            <a:off x="124690" y="5173438"/>
+            <a:ext cx="6982691" cy="4884962"/>
           </a:xfrm>
           <a:prstGeom prst="rect">
             <a:avLst/>
           </a:prstGeom>
-          <a:noFill/>
-          <a:ln w="9525" cap="flat" cmpd="sng">
-            <a:solidFill>
-              <a:schemeClr val="dk2"/>
-            </a:solidFill>
-            <a:prstDash val="solid"/>
-            <a:round/>
-            <a:headEnd type="none" w="sm" len="sm"/>
-            <a:tailEnd type="none" w="sm" len="sm"/>
-          </a:ln>
         </p:spPr>
       </p:pic>
     </p:spTree>
@@ -29086,7 +28970,7 @@
               <a:buChar char="●"/>
             </a:pPr>
             <a:r>
-              <a:rPr lang="en" sz="1900" b="1">
+              <a:rPr lang="en" sz="1900" b="1" dirty="0">
                 <a:latin typeface="Open Sans"/>
                 <a:ea typeface="Open Sans"/>
                 <a:cs typeface="Open Sans"/>
@@ -29094,7 +28978,7 @@
               </a:rPr>
               <a:t>Physical</a:t>
             </a:r>
-            <a:endParaRPr sz="1900" b="1">
+            <a:endParaRPr sz="1900" b="1" dirty="0">
               <a:latin typeface="Open Sans"/>
               <a:ea typeface="Open Sans"/>
               <a:cs typeface="Open Sans"/>
@@ -29115,7 +28999,7 @@
               <a:buNone/>
             </a:pPr>
             <a:r>
-              <a:rPr lang="en" sz="1400">
+              <a:rPr lang="en" sz="1400" dirty="0">
                 <a:solidFill>
                   <a:srgbClr val="525C65"/>
                 </a:solidFill>
@@ -29129,7 +29013,7 @@
               </a:rPr>
               <a:t>The physical model is what will be built in the database. Each entity should represent a database table, complete with column names and data types. Primary keys and foreign keys should also be represented here. Primary keys should be in bold type with the (PK) designation following the field name. Foreign keys should be in normal type face, but have the designation (FK) after the column name. Finally, in the physical model, Crow's foot notation is important.</a:t>
             </a:r>
-            <a:endParaRPr sz="1200">
+            <a:endParaRPr sz="1200" dirty="0">
               <a:solidFill>
                 <a:srgbClr val="525C65"/>
               </a:solidFill>
@@ -29143,39 +29027,16 @@
             </a:endParaRPr>
           </a:p>
           <a:p>
-            <a:pPr marL="0" lvl="0" indent="0" algn="l" rtl="0">
-              <a:lnSpc>
-                <a:spcPct val="170000"/>
-              </a:lnSpc>
-              <a:spcBef>
+            <a:pPr marL="457200" lvl="0" indent="0" algn="l" rtl="0">
+              <a:spcBef>
+                <a:spcPts val="0"/>
+              </a:spcBef>
+              <a:spcAft>
                 <a:spcPts val="1600"/>
-              </a:spcBef>
-              <a:spcAft>
-                <a:spcPts val="0"/>
-              </a:spcAft>
-              <a:buClr>
-                <a:schemeClr val="dk1"/>
-              </a:buClr>
-              <a:buSzPts val="1100"/>
-              <a:buFont typeface="Arial"/>
+              </a:spcAft>
               <a:buNone/>
             </a:pPr>
-            <a:r>
-              <a:rPr lang="en" sz="1200">
-                <a:solidFill>
-                  <a:srgbClr val="FF0000"/>
-                </a:solidFill>
-                <a:highlight>
-                  <a:schemeClr val="lt1"/>
-                </a:highlight>
-                <a:latin typeface="Open Sans"/>
-                <a:ea typeface="Open Sans"/>
-                <a:cs typeface="Open Sans"/>
-                <a:sym typeface="Open Sans"/>
-              </a:rPr>
-              <a:t>** Replace example screenshot below with your response</a:t>
-            </a:r>
-            <a:endParaRPr sz="1500">
+            <a:endParaRPr sz="1500" dirty="0">
               <a:solidFill>
                 <a:srgbClr val="525C65"/>
               </a:solidFill>
@@ -29188,63 +29049,36 @@
               <a:sym typeface="Open Sans"/>
             </a:endParaRPr>
           </a:p>
-          <a:p>
-            <a:pPr marL="457200" lvl="0" indent="0" algn="l" rtl="0">
-              <a:spcBef>
-                <a:spcPts val="0"/>
-              </a:spcBef>
-              <a:spcAft>
-                <a:spcPts val="1600"/>
-              </a:spcAft>
-              <a:buNone/>
-            </a:pPr>
-            <a:endParaRPr sz="1500">
-              <a:solidFill>
-                <a:srgbClr val="525C65"/>
-              </a:solidFill>
-              <a:highlight>
-                <a:srgbClr val="FFFFFF"/>
-              </a:highlight>
-              <a:latin typeface="Open Sans"/>
-              <a:ea typeface="Open Sans"/>
-              <a:cs typeface="Open Sans"/>
-              <a:sym typeface="Open Sans"/>
-            </a:endParaRPr>
-          </a:p>
         </p:txBody>
       </p:sp>
       <p:pic>
         <p:nvPicPr>
-          <p:cNvPr id="264" name="Google Shape;264;p64"/>
-          <p:cNvPicPr preferRelativeResize="0"/>
+          <p:cNvPr id="3" name="Picture 2">
+            <a:extLst>
+              <a:ext uri="{FF2B5EF4-FFF2-40B4-BE49-F238E27FC236}">
+                <a16:creationId xmlns:a16="http://schemas.microsoft.com/office/drawing/2014/main" id="{65417F85-4282-E8B6-910B-25ADEC631109}"/>
+              </a:ext>
+            </a:extLst>
+          </p:cNvPr>
+          <p:cNvPicPr>
+            <a:picLocks noChangeAspect="1"/>
+          </p:cNvPicPr>
           <p:nvPr/>
         </p:nvPicPr>
         <p:blipFill>
-          <a:blip r:embed="rId3">
-            <a:alphaModFix/>
-          </a:blip>
+          <a:blip r:embed="rId3"/>
           <a:stretch>
             <a:fillRect/>
           </a:stretch>
         </p:blipFill>
         <p:spPr>
           <a:xfrm>
-            <a:off x="832174" y="5859975"/>
-            <a:ext cx="6108049" cy="3630424"/>
+            <a:off x="0" y="5102312"/>
+            <a:ext cx="7772400" cy="4619762"/>
           </a:xfrm>
           <a:prstGeom prst="rect">
             <a:avLst/>
           </a:prstGeom>
-          <a:noFill/>
-          <a:ln w="9525" cap="flat" cmpd="sng">
-            <a:solidFill>
-              <a:schemeClr val="dk2"/>
-            </a:solidFill>
-            <a:prstDash val="solid"/>
-            <a:round/>
-            <a:headEnd type="none" w="sm" len="sm"/>
-            <a:tailEnd type="none" w="sm" len="sm"/>
-          </a:ln>
         </p:spPr>
       </p:pic>
     </p:spTree>
@@ -30418,10 +30252,10 @@
               <a:buNone/>
             </a:pPr>
             <a:r>
-              <a:rPr lang="en" sz="1900"/>
+              <a:rPr lang="en" sz="1900" dirty="0"/>
               <a:t>Create a DDL SQL script capable of building the database you designed in Step 2</a:t>
             </a:r>
-            <a:endParaRPr sz="1900"/>
+            <a:endParaRPr sz="1900" dirty="0"/>
           </a:p>
           <a:p>
             <a:pPr marL="241300" marR="241300" lvl="0" indent="0" algn="l" rtl="0">
@@ -30442,7 +30276,7 @@
               <a:buNone/>
             </a:pPr>
             <a:r>
-              <a:rPr lang="en" sz="1350" b="1">
+              <a:rPr lang="en" sz="1350" b="1" dirty="0">
                 <a:solidFill>
                   <a:srgbClr val="2E3D49"/>
                 </a:solidFill>
@@ -30456,7 +30290,7 @@
               </a:rPr>
               <a:t>Hints</a:t>
             </a:r>
-            <a:endParaRPr sz="1350" b="1">
+            <a:endParaRPr sz="1350" b="1" dirty="0">
               <a:solidFill>
                 <a:srgbClr val="2E3D49"/>
               </a:solidFill>
@@ -30488,7 +30322,7 @@
               <a:buNone/>
             </a:pPr>
             <a:r>
-              <a:rPr lang="en" sz="1350">
+              <a:rPr lang="en" sz="1350" dirty="0">
                 <a:solidFill>
                   <a:srgbClr val="525C65"/>
                 </a:solidFill>
@@ -30502,7 +30336,7 @@
               </a:rPr>
               <a:t>The DDL script will be graded by running the code you submit. Please ensure your SQL code runs properly.</a:t>
             </a:r>
-            <a:endParaRPr sz="1350">
+            <a:endParaRPr sz="1350" dirty="0">
               <a:solidFill>
                 <a:srgbClr val="525C65"/>
               </a:solidFill>
@@ -30533,7 +30367,7 @@
               <a:buFont typeface="Arial"/>
               <a:buNone/>
             </a:pPr>
-            <a:endParaRPr sz="1350">
+            <a:endParaRPr sz="1350" dirty="0">
               <a:solidFill>
                 <a:srgbClr val="525C65"/>
               </a:solidFill>
@@ -30560,7 +30394,7 @@
               <a:buNone/>
             </a:pPr>
             <a:r>
-              <a:rPr lang="en" sz="1350">
+              <a:rPr lang="en" sz="1350" dirty="0">
                 <a:solidFill>
                   <a:srgbClr val="525C65"/>
                 </a:solidFill>
@@ -30574,7 +30408,21 @@
               </a:rPr>
               <a:t>Foreign keys cannot be created on tables that do not exist yet, so it may be easier to create all tables in the database, then to go back and run modify statements on the tables to create foreign key constraints.</a:t>
             </a:r>
-            <a:endParaRPr sz="1350">
+          </a:p>
+          <a:p>
+            <a:pPr marL="241300" marR="241300" lvl="0" indent="0" algn="l" rtl="0">
+              <a:lnSpc>
+                <a:spcPct val="100000"/>
+              </a:lnSpc>
+              <a:spcBef>
+                <a:spcPts val="0"/>
+              </a:spcBef>
+              <a:spcAft>
+                <a:spcPts val="0"/>
+              </a:spcAft>
+              <a:buNone/>
+            </a:pPr>
+            <a:endParaRPr lang="en" sz="1350" dirty="0">
               <a:solidFill>
                 <a:srgbClr val="525C65"/>
               </a:solidFill>
@@ -30600,76 +30448,31 @@
               </a:spcAft>
               <a:buNone/>
             </a:pPr>
-            <a:endParaRPr sz="1350">
-              <a:solidFill>
-                <a:srgbClr val="2E3D49"/>
-              </a:solidFill>
-              <a:highlight>
-                <a:srgbClr val="FFFFFF"/>
-              </a:highlight>
-              <a:latin typeface="Open Sans"/>
-              <a:ea typeface="Open Sans"/>
-              <a:cs typeface="Open Sans"/>
-              <a:sym typeface="Open Sans"/>
-            </a:endParaRPr>
-          </a:p>
-          <a:p>
-            <a:pPr marL="241300" marR="241300" lvl="0" indent="0" algn="l" rtl="0">
-              <a:lnSpc>
-                <a:spcPct val="100000"/>
-              </a:lnSpc>
-              <a:spcBef>
-                <a:spcPts val="0"/>
-              </a:spcBef>
-              <a:spcAft>
-                <a:spcPts val="0"/>
-              </a:spcAft>
-              <a:buClr>
-                <a:schemeClr val="dk1"/>
-              </a:buClr>
-              <a:buSzPts val="1100"/>
-              <a:buFont typeface="Arial"/>
+            <a:endParaRPr lang="en-IN" sz="1900" dirty="0"/>
+          </a:p>
+          <a:p>
+            <a:pPr marL="457200" lvl="0" indent="0" algn="l" rtl="0">
+              <a:spcBef>
+                <a:spcPts val="1600"/>
+              </a:spcBef>
+              <a:spcAft>
+                <a:spcPts val="0"/>
+              </a:spcAft>
               <a:buNone/>
             </a:pPr>
-            <a:r>
-              <a:rPr lang="en" sz="1350">
-                <a:solidFill>
-                  <a:srgbClr val="FF0000"/>
-                </a:solidFill>
-                <a:highlight>
-                  <a:srgbClr val="FFFFFF"/>
-                </a:highlight>
-                <a:latin typeface="Open Sans"/>
-                <a:ea typeface="Open Sans"/>
-                <a:cs typeface="Open Sans"/>
-                <a:sym typeface="Open Sans"/>
-              </a:rPr>
-              <a:t>Remember to submit the related SQL file as well, not just a screenshot (replace the below screenshot).</a:t>
-            </a:r>
-            <a:endParaRPr sz="1350">
-              <a:solidFill>
-                <a:srgbClr val="FF0000"/>
-              </a:solidFill>
-              <a:highlight>
-                <a:srgbClr val="FFFFFF"/>
-              </a:highlight>
-              <a:latin typeface="Open Sans"/>
-              <a:ea typeface="Open Sans"/>
-              <a:cs typeface="Open Sans"/>
-              <a:sym typeface="Open Sans"/>
-            </a:endParaRPr>
+            <a:endParaRPr sz="1900" dirty="0"/>
           </a:p>
           <a:p>
             <a:pPr marL="457200" lvl="0" indent="0" algn="l" rtl="0">
               <a:spcBef>
-                <a:spcPts val="0"/>
+                <a:spcPts val="1600"/>
               </a:spcBef>
               <a:spcAft>
                 <a:spcPts val="0"/>
               </a:spcAft>
               <a:buNone/>
             </a:pPr>
-            <a:endParaRPr sz="1900"/>
+            <a:endParaRPr sz="1900" dirty="0"/>
           </a:p>
           <a:p>
             <a:pPr marL="457200" lvl="0" indent="0" algn="l" rtl="0">
@@ -30677,69 +30480,42 @@
                 <a:spcPts val="1600"/>
               </a:spcBef>
               <a:spcAft>
-                <a:spcPts val="0"/>
+                <a:spcPts val="1600"/>
               </a:spcAft>
               <a:buNone/>
             </a:pPr>
-            <a:endParaRPr sz="1900"/>
-          </a:p>
-          <a:p>
-            <a:pPr marL="457200" lvl="0" indent="0" algn="l" rtl="0">
-              <a:spcBef>
-                <a:spcPts val="1600"/>
-              </a:spcBef>
-              <a:spcAft>
-                <a:spcPts val="0"/>
-              </a:spcAft>
-              <a:buNone/>
-            </a:pPr>
-            <a:endParaRPr sz="1900"/>
-          </a:p>
-          <a:p>
-            <a:pPr marL="457200" lvl="0" indent="0" algn="l" rtl="0">
-              <a:spcBef>
-                <a:spcPts val="1600"/>
-              </a:spcBef>
-              <a:spcAft>
-                <a:spcPts val="1600"/>
-              </a:spcAft>
-              <a:buNone/>
-            </a:pPr>
-            <a:endParaRPr sz="1900"/>
+            <a:endParaRPr sz="1900" dirty="0"/>
           </a:p>
         </p:txBody>
       </p:sp>
       <p:pic>
         <p:nvPicPr>
-          <p:cNvPr id="283" name="Google Shape;283;p67"/>
-          <p:cNvPicPr preferRelativeResize="0"/>
+          <p:cNvPr id="7" name="Picture 6">
+            <a:extLst>
+              <a:ext uri="{FF2B5EF4-FFF2-40B4-BE49-F238E27FC236}">
+                <a16:creationId xmlns:a16="http://schemas.microsoft.com/office/drawing/2014/main" id="{43DEB96C-69D6-BDD3-DB43-F29DE309AE42}"/>
+              </a:ext>
+            </a:extLst>
+          </p:cNvPr>
+          <p:cNvPicPr>
+            <a:picLocks noChangeAspect="1"/>
+          </p:cNvPicPr>
           <p:nvPr/>
         </p:nvPicPr>
-        <p:blipFill rotWithShape="1">
-          <a:blip r:embed="rId3">
-            <a:alphaModFix/>
-          </a:blip>
-          <a:srcRect l="2818" t="2391"/>
-          <a:stretch/>
+        <p:blipFill>
+          <a:blip r:embed="rId3"/>
+          <a:stretch>
+            <a:fillRect/>
+          </a:stretch>
         </p:blipFill>
         <p:spPr>
           <a:xfrm>
-            <a:off x="1641775" y="5527975"/>
-            <a:ext cx="3823475" cy="3971125"/>
+            <a:off x="363545" y="4872647"/>
+            <a:ext cx="7242600" cy="2932029"/>
           </a:xfrm>
           <a:prstGeom prst="rect">
             <a:avLst/>
           </a:prstGeom>
-          <a:noFill/>
-          <a:ln w="9525" cap="flat" cmpd="sng">
-            <a:solidFill>
-              <a:schemeClr val="dk2"/>
-            </a:solidFill>
-            <a:prstDash val="solid"/>
-            <a:round/>
-            <a:headEnd type="none" w="sm" len="sm"/>
-            <a:tailEnd type="none" w="sm" len="sm"/>
-          </a:ln>
         </p:spPr>
       </p:pic>
     </p:spTree>
@@ -30843,7 +30619,7 @@
               </a:spcAft>
               <a:buNone/>
             </a:pPr>
-            <a:endParaRPr sz="1900"/>
+            <a:endParaRPr sz="1900" dirty="0"/>
           </a:p>
           <a:p>
             <a:pPr marL="457200" lvl="0" indent="-349250" algn="l" rtl="0">
@@ -30858,7 +30634,7 @@
               <a:buChar char="●"/>
             </a:pPr>
             <a:r>
-              <a:rPr lang="en" sz="1900" b="1">
+              <a:rPr lang="en" sz="1900" b="1" dirty="0">
                 <a:latin typeface="Open Sans"/>
                 <a:ea typeface="Open Sans"/>
                 <a:cs typeface="Open Sans"/>
@@ -30866,7 +30642,7 @@
               </a:rPr>
               <a:t>Question 1: Return a list of employees with Job Titles and Department Names</a:t>
             </a:r>
-            <a:endParaRPr sz="1900" b="1">
+            <a:endParaRPr sz="1900" b="1" dirty="0">
               <a:latin typeface="Open Sans"/>
               <a:ea typeface="Open Sans"/>
               <a:cs typeface="Open Sans"/>
@@ -30876,14 +30652,14 @@
           <a:p>
             <a:pPr marL="0" lvl="0" indent="0" algn="l" rtl="0">
               <a:spcBef>
-                <a:spcPts val="1600"/>
+                <a:spcPts val="0"/>
               </a:spcBef>
               <a:spcAft>
                 <a:spcPts val="0"/>
               </a:spcAft>
               <a:buNone/>
             </a:pPr>
-            <a:endParaRPr sz="1900" b="1">
+            <a:endParaRPr sz="1900" b="1" dirty="0">
               <a:latin typeface="Open Sans"/>
               <a:ea typeface="Open Sans"/>
               <a:cs typeface="Open Sans"/>
@@ -30892,53 +30668,15 @@
           </a:p>
           <a:p>
             <a:pPr marL="0" lvl="0" indent="0" algn="l" rtl="0">
-              <a:lnSpc>
-                <a:spcPct val="170000"/>
-              </a:lnSpc>
               <a:spcBef>
                 <a:spcPts val="1600"/>
               </a:spcBef>
               <a:spcAft>
                 <a:spcPts val="0"/>
               </a:spcAft>
-              <a:buClr>
-                <a:schemeClr val="dk1"/>
-              </a:buClr>
-              <a:buSzPts val="1100"/>
-              <a:buFont typeface="Arial"/>
               <a:buNone/>
             </a:pPr>
-            <a:r>
-              <a:rPr lang="en" sz="1200">
-                <a:solidFill>
-                  <a:srgbClr val="525C65"/>
-                </a:solidFill>
-                <a:highlight>
-                  <a:schemeClr val="lt1"/>
-                </a:highlight>
-                <a:latin typeface="Open Sans"/>
-                <a:ea typeface="Open Sans"/>
-                <a:cs typeface="Open Sans"/>
-                <a:sym typeface="Open Sans"/>
-              </a:rPr>
-              <a:t>     </a:t>
-            </a:r>
-            <a:r>
-              <a:rPr lang="en" sz="1200">
-                <a:solidFill>
-                  <a:srgbClr val="FF0000"/>
-                </a:solidFill>
-                <a:highlight>
-                  <a:schemeClr val="lt1"/>
-                </a:highlight>
-                <a:latin typeface="Open Sans"/>
-                <a:ea typeface="Open Sans"/>
-                <a:cs typeface="Open Sans"/>
-                <a:sym typeface="Open Sans"/>
-              </a:rPr>
-              <a:t>** Replace example screenshot below with your response, and include the query in a SQL file</a:t>
-            </a:r>
-            <a:endParaRPr sz="1900" b="1">
+            <a:endParaRPr sz="1900" b="1" dirty="0">
               <a:latin typeface="Open Sans"/>
               <a:ea typeface="Open Sans"/>
               <a:cs typeface="Open Sans"/>
@@ -30946,16 +30684,16 @@
             </a:endParaRPr>
           </a:p>
           <a:p>
-            <a:pPr marL="0" lvl="0" indent="0" algn="l" rtl="0">
-              <a:spcBef>
-                <a:spcPts val="0"/>
+            <a:pPr marL="457200" lvl="0" indent="0" algn="l" rtl="0">
+              <a:spcBef>
+                <a:spcPts val="1600"/>
               </a:spcBef>
               <a:spcAft>
                 <a:spcPts val="0"/>
               </a:spcAft>
               <a:buNone/>
             </a:pPr>
-            <a:endParaRPr sz="1900" b="1">
+            <a:endParaRPr sz="1900" b="1" dirty="0">
               <a:latin typeface="Open Sans"/>
               <a:ea typeface="Open Sans"/>
               <a:cs typeface="Open Sans"/>
@@ -30972,7 +30710,7 @@
               </a:spcAft>
               <a:buNone/>
             </a:pPr>
-            <a:endParaRPr sz="1900" b="1">
+            <a:endParaRPr sz="1900" b="1" dirty="0">
               <a:latin typeface="Open Sans"/>
               <a:ea typeface="Open Sans"/>
               <a:cs typeface="Open Sans"/>
@@ -30980,7 +30718,7 @@
             </a:endParaRPr>
           </a:p>
           <a:p>
-            <a:pPr marL="457200" lvl="0" indent="0" algn="l" rtl="0">
+            <a:pPr marL="0" lvl="0" indent="0" algn="l" rtl="0">
               <a:spcBef>
                 <a:spcPts val="1600"/>
               </a:spcBef>
@@ -30989,7 +30727,7 @@
               </a:spcAft>
               <a:buNone/>
             </a:pPr>
-            <a:endParaRPr sz="1900" b="1">
+            <a:endParaRPr sz="1900" b="1" dirty="0">
               <a:latin typeface="Open Sans"/>
               <a:ea typeface="Open Sans"/>
               <a:cs typeface="Open Sans"/>
@@ -31006,15 +30744,10 @@
               </a:spcAft>
               <a:buNone/>
             </a:pPr>
-            <a:endParaRPr sz="1900" b="1">
-              <a:latin typeface="Open Sans"/>
-              <a:ea typeface="Open Sans"/>
-              <a:cs typeface="Open Sans"/>
-              <a:sym typeface="Open Sans"/>
-            </a:endParaRPr>
-          </a:p>
-          <a:p>
-            <a:pPr marL="0" lvl="0" indent="0" algn="l" rtl="0">
+            <a:endParaRPr sz="1900" dirty="0"/>
+          </a:p>
+          <a:p>
+            <a:pPr marL="457200" lvl="0" indent="0" algn="l" rtl="0">
               <a:spcBef>
                 <a:spcPts val="1600"/>
               </a:spcBef>
@@ -31023,15 +30756,10 @@
               </a:spcAft>
               <a:buNone/>
             </a:pPr>
-            <a:endParaRPr sz="1900" b="1">
-              <a:latin typeface="Open Sans"/>
-              <a:ea typeface="Open Sans"/>
-              <a:cs typeface="Open Sans"/>
-              <a:sym typeface="Open Sans"/>
-            </a:endParaRPr>
-          </a:p>
-          <a:p>
-            <a:pPr marL="0" lvl="0" indent="0" algn="l" rtl="0">
+            <a:endParaRPr sz="1900" dirty="0"/>
+          </a:p>
+          <a:p>
+            <a:pPr marL="457200" lvl="0" indent="0" algn="l" rtl="0">
               <a:spcBef>
                 <a:spcPts val="1600"/>
               </a:spcBef>
@@ -31040,7 +30768,7 @@
               </a:spcAft>
               <a:buNone/>
             </a:pPr>
-            <a:endParaRPr sz="1900"/>
+            <a:endParaRPr sz="1900" dirty="0"/>
           </a:p>
           <a:p>
             <a:pPr marL="457200" lvl="0" indent="0" algn="l" rtl="0">
@@ -31048,70 +30776,42 @@
                 <a:spcPts val="1600"/>
               </a:spcBef>
               <a:spcAft>
-                <a:spcPts val="0"/>
+                <a:spcPts val="1600"/>
               </a:spcAft>
               <a:buNone/>
             </a:pPr>
-            <a:endParaRPr sz="1900"/>
-          </a:p>
-          <a:p>
-            <a:pPr marL="457200" lvl="0" indent="0" algn="l" rtl="0">
-              <a:spcBef>
-                <a:spcPts val="1600"/>
-              </a:spcBef>
-              <a:spcAft>
-                <a:spcPts val="0"/>
-              </a:spcAft>
-              <a:buNone/>
-            </a:pPr>
-            <a:endParaRPr sz="1900"/>
-          </a:p>
-          <a:p>
-            <a:pPr marL="457200" lvl="0" indent="0" algn="l" rtl="0">
-              <a:spcBef>
-                <a:spcPts val="1600"/>
-              </a:spcBef>
-              <a:spcAft>
-                <a:spcPts val="1600"/>
-              </a:spcAft>
-              <a:buNone/>
-            </a:pPr>
-            <a:endParaRPr sz="1900"/>
+            <a:endParaRPr sz="1900" dirty="0"/>
           </a:p>
         </p:txBody>
       </p:sp>
       <p:pic>
         <p:nvPicPr>
-          <p:cNvPr id="290" name="Google Shape;290;p68"/>
-          <p:cNvPicPr preferRelativeResize="0"/>
+          <p:cNvPr id="9" name="Picture 8">
+            <a:extLst>
+              <a:ext uri="{FF2B5EF4-FFF2-40B4-BE49-F238E27FC236}">
+                <a16:creationId xmlns:a16="http://schemas.microsoft.com/office/drawing/2014/main" id="{A4653EAB-1590-40E4-EA6F-29A27E3A4AD0}"/>
+              </a:ext>
+            </a:extLst>
+          </p:cNvPr>
+          <p:cNvPicPr>
+            <a:picLocks noChangeAspect="1"/>
+          </p:cNvPicPr>
           <p:nvPr/>
         </p:nvPicPr>
         <p:blipFill>
-          <a:blip r:embed="rId3">
-            <a:alphaModFix/>
-          </a:blip>
+          <a:blip r:embed="rId3"/>
           <a:stretch>
             <a:fillRect/>
           </a:stretch>
         </p:blipFill>
         <p:spPr>
           <a:xfrm>
-            <a:off x="1088175" y="4781750"/>
-            <a:ext cx="5036025" cy="3241700"/>
+            <a:off x="238861" y="3918675"/>
+            <a:ext cx="7268589" cy="4010585"/>
           </a:xfrm>
           <a:prstGeom prst="rect">
             <a:avLst/>
           </a:prstGeom>
-          <a:noFill/>
-          <a:ln w="9525" cap="flat" cmpd="sng">
-            <a:solidFill>
-              <a:schemeClr val="dk2"/>
-            </a:solidFill>
-            <a:prstDash val="solid"/>
-            <a:round/>
-            <a:headEnd type="none" w="sm" len="sm"/>
-            <a:tailEnd type="none" w="sm" len="sm"/>
-          </a:ln>
         </p:spPr>
       </p:pic>
     </p:spTree>
@@ -31206,18 +30906,6 @@
           </a:bodyPr>
           <a:lstStyle/>
           <a:p>
-            <a:pPr marL="0" lvl="0" indent="0" algn="l" rtl="0">
-              <a:spcBef>
-                <a:spcPts val="0"/>
-              </a:spcBef>
-              <a:spcAft>
-                <a:spcPts val="0"/>
-              </a:spcAft>
-              <a:buNone/>
-            </a:pPr>
-            <a:endParaRPr sz="1900"/>
-          </a:p>
-          <a:p>
             <a:pPr marL="457200" lvl="0" indent="-349250" algn="l" rtl="0">
               <a:spcBef>
                 <a:spcPts val="1600"/>
@@ -31230,7 +30918,7 @@
               <a:buChar char="●"/>
             </a:pPr>
             <a:r>
-              <a:rPr lang="en" sz="1900" b="1">
+              <a:rPr lang="en" sz="1900" b="1" dirty="0">
                 <a:latin typeface="Open Sans"/>
                 <a:ea typeface="Open Sans"/>
                 <a:cs typeface="Open Sans"/>
@@ -31238,7 +30926,7 @@
               </a:rPr>
               <a:t>Question 2: Insert Web Programmer as a new job title</a:t>
             </a:r>
-            <a:endParaRPr sz="1900" b="1">
+            <a:endParaRPr sz="1900" b="1" dirty="0">
               <a:latin typeface="Open Sans"/>
               <a:ea typeface="Open Sans"/>
               <a:cs typeface="Open Sans"/>
@@ -31255,7 +30943,7 @@
               </a:spcAft>
               <a:buNone/>
             </a:pPr>
-            <a:endParaRPr sz="1900" b="1">
+            <a:endParaRPr sz="1900" b="1" dirty="0">
               <a:latin typeface="Open Sans"/>
               <a:ea typeface="Open Sans"/>
               <a:cs typeface="Open Sans"/>
@@ -31264,53 +30952,15 @@
           </a:p>
           <a:p>
             <a:pPr marL="0" lvl="0" indent="0" algn="l" rtl="0">
-              <a:lnSpc>
-                <a:spcPct val="170000"/>
-              </a:lnSpc>
-              <a:spcBef>
-                <a:spcPts val="1600"/>
-              </a:spcBef>
-              <a:spcAft>
-                <a:spcPts val="0"/>
-              </a:spcAft>
-              <a:buClr>
-                <a:schemeClr val="dk1"/>
-              </a:buClr>
-              <a:buSzPts val="1100"/>
-              <a:buFont typeface="Arial"/>
+              <a:spcBef>
+                <a:spcPts val="0"/>
+              </a:spcBef>
+              <a:spcAft>
+                <a:spcPts val="0"/>
+              </a:spcAft>
               <a:buNone/>
             </a:pPr>
-            <a:r>
-              <a:rPr lang="en" sz="1200">
-                <a:solidFill>
-                  <a:srgbClr val="525C65"/>
-                </a:solidFill>
-                <a:highlight>
-                  <a:schemeClr val="lt1"/>
-                </a:highlight>
-                <a:latin typeface="Open Sans"/>
-                <a:ea typeface="Open Sans"/>
-                <a:cs typeface="Open Sans"/>
-                <a:sym typeface="Open Sans"/>
-              </a:rPr>
-              <a:t>    </a:t>
-            </a:r>
-            <a:r>
-              <a:rPr lang="en" sz="1200">
-                <a:solidFill>
-                  <a:srgbClr val="FF0000"/>
-                </a:solidFill>
-                <a:highlight>
-                  <a:schemeClr val="lt1"/>
-                </a:highlight>
-                <a:latin typeface="Open Sans"/>
-                <a:ea typeface="Open Sans"/>
-                <a:cs typeface="Open Sans"/>
-                <a:sym typeface="Open Sans"/>
-              </a:rPr>
-              <a:t>** Replace example screenshot below with your response, and include the query in a SQL file</a:t>
-            </a:r>
-            <a:endParaRPr sz="1900" b="1">
+            <a:endParaRPr sz="1900" b="1" dirty="0">
               <a:latin typeface="Open Sans"/>
               <a:ea typeface="Open Sans"/>
               <a:cs typeface="Open Sans"/>
@@ -31320,14 +30970,14 @@
           <a:p>
             <a:pPr marL="0" lvl="0" indent="0" algn="l" rtl="0">
               <a:spcBef>
-                <a:spcPts val="0"/>
+                <a:spcPts val="1600"/>
               </a:spcBef>
               <a:spcAft>
                 <a:spcPts val="0"/>
               </a:spcAft>
               <a:buNone/>
             </a:pPr>
-            <a:endParaRPr sz="1900" b="1">
+            <a:endParaRPr sz="1900" b="1" dirty="0">
               <a:latin typeface="Open Sans"/>
               <a:ea typeface="Open Sans"/>
               <a:cs typeface="Open Sans"/>
@@ -31344,7 +30994,7 @@
               </a:spcAft>
               <a:buNone/>
             </a:pPr>
-            <a:endParaRPr sz="1900" b="1">
+            <a:endParaRPr sz="1900" b="1" dirty="0">
               <a:latin typeface="Open Sans"/>
               <a:ea typeface="Open Sans"/>
               <a:cs typeface="Open Sans"/>
@@ -31361,7 +31011,7 @@
               </a:spcAft>
               <a:buNone/>
             </a:pPr>
-            <a:endParaRPr sz="1900" b="1">
+            <a:endParaRPr sz="1900" b="1" dirty="0">
               <a:latin typeface="Open Sans"/>
               <a:ea typeface="Open Sans"/>
               <a:cs typeface="Open Sans"/>
@@ -31369,7 +31019,7 @@
             </a:endParaRPr>
           </a:p>
           <a:p>
-            <a:pPr marL="0" lvl="0" indent="0" algn="l" rtl="0">
+            <a:pPr marL="457200" lvl="0" indent="0" algn="l" rtl="0">
               <a:spcBef>
                 <a:spcPts val="1600"/>
               </a:spcBef>
@@ -31378,7 +31028,7 @@
               </a:spcAft>
               <a:buNone/>
             </a:pPr>
-            <a:endParaRPr sz="1900" b="1">
+            <a:endParaRPr sz="1900" b="1" dirty="0">
               <a:latin typeface="Open Sans"/>
               <a:ea typeface="Open Sans"/>
               <a:cs typeface="Open Sans"/>
@@ -31386,7 +31036,7 @@
             </a:endParaRPr>
           </a:p>
           <a:p>
-            <a:pPr marL="457200" lvl="0" indent="0" algn="l" rtl="0">
+            <a:pPr marL="0" lvl="0" indent="0" algn="l" rtl="0">
               <a:spcBef>
                 <a:spcPts val="1600"/>
               </a:spcBef>
@@ -31395,7 +31045,7 @@
               </a:spcAft>
               <a:buNone/>
             </a:pPr>
-            <a:endParaRPr sz="1900" b="1">
+            <a:endParaRPr sz="1900" b="1" dirty="0">
               <a:latin typeface="Open Sans"/>
               <a:ea typeface="Open Sans"/>
               <a:cs typeface="Open Sans"/>
@@ -31412,7 +31062,7 @@
               </a:spcAft>
               <a:buNone/>
             </a:pPr>
-            <a:endParaRPr sz="1900" b="1">
+            <a:endParaRPr sz="1900" b="1" dirty="0">
               <a:latin typeface="Open Sans"/>
               <a:ea typeface="Open Sans"/>
               <a:cs typeface="Open Sans"/>
@@ -31429,15 +31079,10 @@
               </a:spcAft>
               <a:buNone/>
             </a:pPr>
-            <a:endParaRPr sz="1900" b="1">
-              <a:latin typeface="Open Sans"/>
-              <a:ea typeface="Open Sans"/>
-              <a:cs typeface="Open Sans"/>
-              <a:sym typeface="Open Sans"/>
-            </a:endParaRPr>
-          </a:p>
-          <a:p>
-            <a:pPr marL="0" lvl="0" indent="0" algn="l" rtl="0">
+            <a:endParaRPr sz="1900" dirty="0"/>
+          </a:p>
+          <a:p>
+            <a:pPr marL="457200" lvl="0" indent="0" algn="l" rtl="0">
               <a:spcBef>
                 <a:spcPts val="1600"/>
               </a:spcBef>
@@ -31446,7 +31091,7 @@
               </a:spcAft>
               <a:buNone/>
             </a:pPr>
-            <a:endParaRPr sz="1900"/>
+            <a:endParaRPr sz="1900" dirty="0"/>
           </a:p>
           <a:p>
             <a:pPr marL="457200" lvl="0" indent="0" algn="l" rtl="0">
@@ -31458,7 +31103,7 @@
               </a:spcAft>
               <a:buNone/>
             </a:pPr>
-            <a:endParaRPr sz="1900"/>
+            <a:endParaRPr sz="1900" dirty="0"/>
           </a:p>
           <a:p>
             <a:pPr marL="457200" lvl="0" indent="0" algn="l" rtl="0">
@@ -31466,58 +31111,42 @@
                 <a:spcPts val="1600"/>
               </a:spcBef>
               <a:spcAft>
-                <a:spcPts val="0"/>
+                <a:spcPts val="1600"/>
               </a:spcAft>
               <a:buNone/>
             </a:pPr>
-            <a:endParaRPr sz="1900"/>
-          </a:p>
-          <a:p>
-            <a:pPr marL="457200" lvl="0" indent="0" algn="l" rtl="0">
-              <a:spcBef>
-                <a:spcPts val="1600"/>
-              </a:spcBef>
-              <a:spcAft>
-                <a:spcPts val="1600"/>
-              </a:spcAft>
-              <a:buNone/>
-            </a:pPr>
-            <a:endParaRPr sz="1900"/>
+            <a:endParaRPr sz="1900" dirty="0"/>
           </a:p>
         </p:txBody>
       </p:sp>
       <p:pic>
         <p:nvPicPr>
-          <p:cNvPr id="297" name="Google Shape;297;p69"/>
-          <p:cNvPicPr preferRelativeResize="0"/>
+          <p:cNvPr id="13" name="Picture 12">
+            <a:extLst>
+              <a:ext uri="{FF2B5EF4-FFF2-40B4-BE49-F238E27FC236}">
+                <a16:creationId xmlns:a16="http://schemas.microsoft.com/office/drawing/2014/main" id="{2B5566E0-E05F-3307-9755-2D210F71DCA4}"/>
+              </a:ext>
+            </a:extLst>
+          </p:cNvPr>
+          <p:cNvPicPr>
+            <a:picLocks noChangeAspect="1"/>
+          </p:cNvPicPr>
           <p:nvPr/>
         </p:nvPicPr>
         <p:blipFill>
-          <a:blip r:embed="rId3">
-            <a:alphaModFix/>
-          </a:blip>
+          <a:blip r:embed="rId3"/>
           <a:stretch>
             <a:fillRect/>
           </a:stretch>
         </p:blipFill>
         <p:spPr>
           <a:xfrm>
-            <a:off x="1088175" y="4781750"/>
-            <a:ext cx="5036025" cy="3241700"/>
+            <a:off x="153124" y="3394957"/>
+            <a:ext cx="7354326" cy="3905795"/>
           </a:xfrm>
           <a:prstGeom prst="rect">
             <a:avLst/>
           </a:prstGeom>
-          <a:noFill/>
-          <a:ln w="9525" cap="flat" cmpd="sng">
-            <a:solidFill>
-              <a:schemeClr val="dk2"/>
-            </a:solidFill>
-            <a:prstDash val="solid"/>
-            <a:round/>
-            <a:headEnd type="none" w="sm" len="sm"/>
-            <a:tailEnd type="none" w="sm" len="sm"/>
-          </a:ln>
         </p:spPr>
       </p:pic>
     </p:spTree>
@@ -31599,7 +31228,7 @@
         </p:nvSpPr>
         <p:spPr>
           <a:xfrm>
-            <a:off x="264950" y="2118049"/>
+            <a:off x="264855" y="1785540"/>
             <a:ext cx="7242600" cy="7731900"/>
           </a:xfrm>
           <a:prstGeom prst="rect">
@@ -31612,16 +31241,22 @@
           </a:bodyPr>
           <a:lstStyle/>
           <a:p>
-            <a:pPr marL="0" lvl="0" indent="0" algn="l" rtl="0">
-              <a:spcBef>
-                <a:spcPts val="0"/>
-              </a:spcBef>
-              <a:spcAft>
-                <a:spcPts val="0"/>
-              </a:spcAft>
+            <a:pPr marL="107950" lvl="0" indent="0" algn="l" rtl="0">
+              <a:spcBef>
+                <a:spcPts val="1600"/>
+              </a:spcBef>
+              <a:spcAft>
+                <a:spcPts val="0"/>
+              </a:spcAft>
+              <a:buSzPts val="1900"/>
               <a:buNone/>
             </a:pPr>
-            <a:endParaRPr sz="1900"/>
+            <a:endParaRPr lang="en" sz="1900" b="1" dirty="0">
+              <a:latin typeface="Open Sans"/>
+              <a:ea typeface="Open Sans"/>
+              <a:cs typeface="Open Sans"/>
+              <a:sym typeface="Open Sans"/>
+            </a:endParaRPr>
           </a:p>
           <a:p>
             <a:pPr marL="457200" lvl="0" indent="-349250" algn="l" rtl="0">
@@ -31636,7 +31271,7 @@
               <a:buChar char="●"/>
             </a:pPr>
             <a:r>
-              <a:rPr lang="en" sz="1900" b="1">
+              <a:rPr lang="en" sz="1900" b="1" dirty="0">
                 <a:latin typeface="Open Sans"/>
                 <a:ea typeface="Open Sans"/>
                 <a:cs typeface="Open Sans"/>
@@ -31644,7 +31279,7 @@
               </a:rPr>
               <a:t>Question 3: Correct the job title from web programmer to web developer</a:t>
             </a:r>
-            <a:endParaRPr sz="1900" b="1">
+            <a:endParaRPr sz="1900" b="1" dirty="0">
               <a:latin typeface="Open Sans"/>
               <a:ea typeface="Open Sans"/>
               <a:cs typeface="Open Sans"/>
@@ -31665,7 +31300,7 @@
               <a:buNone/>
             </a:pPr>
             <a:r>
-              <a:rPr lang="en" sz="1200">
+              <a:rPr lang="en" sz="1200" dirty="0">
                 <a:solidFill>
                   <a:srgbClr val="525C65"/>
                 </a:solidFill>
@@ -31679,13 +31314,7 @@
               </a:rPr>
               <a:t>     </a:t>
             </a:r>
-            <a:endParaRPr sz="1200">
-              <a:solidFill>
-                <a:srgbClr val="525C65"/>
-              </a:solidFill>
-              <a:highlight>
-                <a:schemeClr val="lt1"/>
-              </a:highlight>
+            <a:endParaRPr sz="1900" b="1" dirty="0">
               <a:latin typeface="Open Sans"/>
               <a:ea typeface="Open Sans"/>
               <a:cs typeface="Open Sans"/>
@@ -31694,48 +31323,15 @@
           </a:p>
           <a:p>
             <a:pPr marL="0" lvl="0" indent="0" algn="l" rtl="0">
-              <a:lnSpc>
-                <a:spcPct val="170000"/>
-              </a:lnSpc>
-              <a:spcBef>
-                <a:spcPts val="0"/>
+              <a:spcBef>
+                <a:spcPts val="1600"/>
               </a:spcBef>
               <a:spcAft>
                 <a:spcPts val="0"/>
               </a:spcAft>
               <a:buNone/>
             </a:pPr>
-            <a:r>
-              <a:rPr lang="en" sz="1200">
-                <a:solidFill>
-                  <a:srgbClr val="525C65"/>
-                </a:solidFill>
-                <a:highlight>
-                  <a:schemeClr val="lt1"/>
-                </a:highlight>
-                <a:latin typeface="Open Sans"/>
-                <a:ea typeface="Open Sans"/>
-                <a:cs typeface="Open Sans"/>
-                <a:sym typeface="Open Sans"/>
-              </a:rPr>
-              <a:t>  </a:t>
-            </a:r>
-            <a:r>
-              <a:rPr lang="en" sz="1200">
-                <a:solidFill>
-                  <a:srgbClr val="FF0000"/>
-                </a:solidFill>
-                <a:highlight>
-                  <a:schemeClr val="lt1"/>
-                </a:highlight>
-                <a:latin typeface="Open Sans"/>
-                <a:ea typeface="Open Sans"/>
-                <a:cs typeface="Open Sans"/>
-                <a:sym typeface="Open Sans"/>
-              </a:rPr>
-              <a:t>** Replace example screenshot below with your response, and include the query in a SQL file</a:t>
-            </a:r>
-            <a:endParaRPr sz="1900" b="1">
+            <a:endParaRPr sz="1900" b="1" dirty="0">
               <a:latin typeface="Open Sans"/>
               <a:ea typeface="Open Sans"/>
               <a:cs typeface="Open Sans"/>
@@ -31745,14 +31341,14 @@
           <a:p>
             <a:pPr marL="0" lvl="0" indent="0" algn="l" rtl="0">
               <a:spcBef>
-                <a:spcPts val="0"/>
+                <a:spcPts val="1600"/>
               </a:spcBef>
               <a:spcAft>
                 <a:spcPts val="0"/>
               </a:spcAft>
               <a:buNone/>
             </a:pPr>
-            <a:endParaRPr sz="1900" b="1">
+            <a:endParaRPr sz="1900" b="1" dirty="0">
               <a:latin typeface="Open Sans"/>
               <a:ea typeface="Open Sans"/>
               <a:cs typeface="Open Sans"/>
@@ -31769,7 +31365,7 @@
               </a:spcAft>
               <a:buNone/>
             </a:pPr>
-            <a:endParaRPr sz="1900" b="1">
+            <a:endParaRPr sz="1900" b="1" dirty="0">
               <a:latin typeface="Open Sans"/>
               <a:ea typeface="Open Sans"/>
               <a:cs typeface="Open Sans"/>
@@ -31777,7 +31373,7 @@
             </a:endParaRPr>
           </a:p>
           <a:p>
-            <a:pPr marL="0" lvl="0" indent="0" algn="l" rtl="0">
+            <a:pPr marL="457200" lvl="0" indent="0" algn="l" rtl="0">
               <a:spcBef>
                 <a:spcPts val="1600"/>
               </a:spcBef>
@@ -31786,7 +31382,7 @@
               </a:spcAft>
               <a:buNone/>
             </a:pPr>
-            <a:endParaRPr sz="1900" b="1">
+            <a:endParaRPr sz="1900" b="1" dirty="0">
               <a:latin typeface="Open Sans"/>
               <a:ea typeface="Open Sans"/>
               <a:cs typeface="Open Sans"/>
@@ -31803,7 +31399,7 @@
               </a:spcAft>
               <a:buNone/>
             </a:pPr>
-            <a:endParaRPr sz="1900" b="1">
+            <a:endParaRPr sz="1900" b="1" dirty="0">
               <a:latin typeface="Open Sans"/>
               <a:ea typeface="Open Sans"/>
               <a:cs typeface="Open Sans"/>
@@ -31811,7 +31407,7 @@
             </a:endParaRPr>
           </a:p>
           <a:p>
-            <a:pPr marL="457200" lvl="0" indent="0" algn="l" rtl="0">
+            <a:pPr marL="0" lvl="0" indent="0" algn="l" rtl="0">
               <a:spcBef>
                 <a:spcPts val="1600"/>
               </a:spcBef>
@@ -31820,7 +31416,7 @@
               </a:spcAft>
               <a:buNone/>
             </a:pPr>
-            <a:endParaRPr sz="1900" b="1">
+            <a:endParaRPr sz="1900" b="1" dirty="0">
               <a:latin typeface="Open Sans"/>
               <a:ea typeface="Open Sans"/>
               <a:cs typeface="Open Sans"/>
@@ -31837,15 +31433,10 @@
               </a:spcAft>
               <a:buNone/>
             </a:pPr>
-            <a:endParaRPr sz="1900" b="1">
-              <a:latin typeface="Open Sans"/>
-              <a:ea typeface="Open Sans"/>
-              <a:cs typeface="Open Sans"/>
-              <a:sym typeface="Open Sans"/>
-            </a:endParaRPr>
-          </a:p>
-          <a:p>
-            <a:pPr marL="0" lvl="0" indent="0" algn="l" rtl="0">
+            <a:endParaRPr sz="1900" dirty="0"/>
+          </a:p>
+          <a:p>
+            <a:pPr marL="457200" lvl="0" indent="0" algn="l" rtl="0">
               <a:spcBef>
                 <a:spcPts val="1600"/>
               </a:spcBef>
@@ -31854,15 +31445,10 @@
               </a:spcAft>
               <a:buNone/>
             </a:pPr>
-            <a:endParaRPr sz="1900" b="1">
-              <a:latin typeface="Open Sans"/>
-              <a:ea typeface="Open Sans"/>
-              <a:cs typeface="Open Sans"/>
-              <a:sym typeface="Open Sans"/>
-            </a:endParaRPr>
-          </a:p>
-          <a:p>
-            <a:pPr marL="0" lvl="0" indent="0" algn="l" rtl="0">
+            <a:endParaRPr sz="1900" dirty="0"/>
+          </a:p>
+          <a:p>
+            <a:pPr marL="457200" lvl="0" indent="0" algn="l" rtl="0">
               <a:spcBef>
                 <a:spcPts val="1600"/>
               </a:spcBef>
@@ -31871,7 +31457,7 @@
               </a:spcAft>
               <a:buNone/>
             </a:pPr>
-            <a:endParaRPr sz="1900"/>
+            <a:endParaRPr sz="1900" dirty="0"/>
           </a:p>
           <a:p>
             <a:pPr marL="457200" lvl="0" indent="0" algn="l" rtl="0">
@@ -31879,70 +31465,42 @@
                 <a:spcPts val="1600"/>
               </a:spcBef>
               <a:spcAft>
-                <a:spcPts val="0"/>
+                <a:spcPts val="1600"/>
               </a:spcAft>
               <a:buNone/>
             </a:pPr>
-            <a:endParaRPr sz="1900"/>
-          </a:p>
-          <a:p>
-            <a:pPr marL="457200" lvl="0" indent="0" algn="l" rtl="0">
-              <a:spcBef>
-                <a:spcPts val="1600"/>
-              </a:spcBef>
-              <a:spcAft>
-                <a:spcPts val="0"/>
-              </a:spcAft>
-              <a:buNone/>
-            </a:pPr>
-            <a:endParaRPr sz="1900"/>
-          </a:p>
-          <a:p>
-            <a:pPr marL="457200" lvl="0" indent="0" algn="l" rtl="0">
-              <a:spcBef>
-                <a:spcPts val="1600"/>
-              </a:spcBef>
-              <a:spcAft>
-                <a:spcPts val="1600"/>
-              </a:spcAft>
-              <a:buNone/>
-            </a:pPr>
-            <a:endParaRPr sz="1900"/>
+            <a:endParaRPr sz="1900" dirty="0"/>
           </a:p>
         </p:txBody>
       </p:sp>
       <p:pic>
         <p:nvPicPr>
-          <p:cNvPr id="304" name="Google Shape;304;p70"/>
-          <p:cNvPicPr preferRelativeResize="0"/>
+          <p:cNvPr id="7" name="Picture 6">
+            <a:extLst>
+              <a:ext uri="{FF2B5EF4-FFF2-40B4-BE49-F238E27FC236}">
+                <a16:creationId xmlns:a16="http://schemas.microsoft.com/office/drawing/2014/main" id="{EE5D9964-2544-1FD6-4064-112514570A42}"/>
+              </a:ext>
+            </a:extLst>
+          </p:cNvPr>
+          <p:cNvPicPr>
+            <a:picLocks noChangeAspect="1"/>
+          </p:cNvPicPr>
           <p:nvPr/>
         </p:nvPicPr>
         <p:blipFill>
-          <a:blip r:embed="rId3">
-            <a:alphaModFix/>
-          </a:blip>
+          <a:blip r:embed="rId3"/>
           <a:stretch>
             <a:fillRect/>
           </a:stretch>
         </p:blipFill>
         <p:spPr>
           <a:xfrm>
-            <a:off x="1088175" y="4781750"/>
-            <a:ext cx="5036025" cy="3241700"/>
+            <a:off x="194702" y="3693829"/>
+            <a:ext cx="7382905" cy="3915321"/>
           </a:xfrm>
           <a:prstGeom prst="rect">
             <a:avLst/>
           </a:prstGeom>
-          <a:noFill/>
-          <a:ln w="9525" cap="flat" cmpd="sng">
-            <a:solidFill>
-              <a:schemeClr val="dk2"/>
-            </a:solidFill>
-            <a:prstDash val="solid"/>
-            <a:round/>
-            <a:headEnd type="none" w="sm" len="sm"/>
-            <a:tailEnd type="none" w="sm" len="sm"/>
-          </a:ln>
         </p:spPr>
       </p:pic>
     </p:spTree>
@@ -32621,7 +32179,7 @@
         </p:nvSpPr>
         <p:spPr>
           <a:xfrm>
-            <a:off x="264950" y="2118049"/>
+            <a:off x="264945" y="1882522"/>
             <a:ext cx="7242600" cy="7731900"/>
           </a:xfrm>
           <a:prstGeom prst="rect">
@@ -32634,16 +32192,23 @@
           </a:bodyPr>
           <a:lstStyle/>
           <a:p>
-            <a:pPr marL="0" lvl="0" indent="0" algn="l" rtl="0">
-              <a:spcBef>
-                <a:spcPts val="0"/>
-              </a:spcBef>
-              <a:spcAft>
-                <a:spcPts val="0"/>
-              </a:spcAft>
-              <a:buNone/>
+            <a:pPr marL="457200" lvl="0" indent="-349250" algn="l" rtl="0">
+              <a:spcBef>
+                <a:spcPts val="1600"/>
+              </a:spcBef>
+              <a:spcAft>
+                <a:spcPts val="0"/>
+              </a:spcAft>
+              <a:buSzPts val="1900"/>
+              <a:buFont typeface="Open Sans"/>
+              <a:buChar char="●"/>
             </a:pPr>
-            <a:endParaRPr sz="1900"/>
+            <a:endParaRPr lang="en" sz="1900" b="1" dirty="0">
+              <a:latin typeface="Open Sans"/>
+              <a:ea typeface="Open Sans"/>
+              <a:cs typeface="Open Sans"/>
+              <a:sym typeface="Open Sans"/>
+            </a:endParaRPr>
           </a:p>
           <a:p>
             <a:pPr marL="457200" lvl="0" indent="-349250" algn="l" rtl="0">
@@ -32658,7 +32223,7 @@
               <a:buChar char="●"/>
             </a:pPr>
             <a:r>
-              <a:rPr lang="en" sz="1900" b="1">
+              <a:rPr lang="en" sz="1900" b="1" dirty="0">
                 <a:latin typeface="Open Sans"/>
                 <a:ea typeface="Open Sans"/>
                 <a:cs typeface="Open Sans"/>
@@ -32666,7 +32231,7 @@
               </a:rPr>
               <a:t>Question 4: Delete the job title Web Developer from the database</a:t>
             </a:r>
-            <a:endParaRPr sz="1900" b="1">
+            <a:endParaRPr sz="1900" b="1" dirty="0">
               <a:latin typeface="Open Sans"/>
               <a:ea typeface="Open Sans"/>
               <a:cs typeface="Open Sans"/>
@@ -32687,7 +32252,7 @@
               <a:buNone/>
             </a:pPr>
             <a:r>
-              <a:rPr lang="en" sz="1200">
+              <a:rPr lang="en" sz="1200" dirty="0">
                 <a:solidFill>
                   <a:srgbClr val="525C65"/>
                 </a:solidFill>
@@ -32701,13 +32266,7 @@
               </a:rPr>
               <a:t>         </a:t>
             </a:r>
-            <a:endParaRPr sz="1200">
-              <a:solidFill>
-                <a:srgbClr val="525C65"/>
-              </a:solidFill>
-              <a:highlight>
-                <a:schemeClr val="lt1"/>
-              </a:highlight>
+            <a:endParaRPr sz="1900" b="1" dirty="0">
               <a:latin typeface="Open Sans"/>
               <a:ea typeface="Open Sans"/>
               <a:cs typeface="Open Sans"/>
@@ -32716,48 +32275,15 @@
           </a:p>
           <a:p>
             <a:pPr marL="0" lvl="0" indent="0" algn="l" rtl="0">
-              <a:lnSpc>
-                <a:spcPct val="170000"/>
-              </a:lnSpc>
-              <a:spcBef>
-                <a:spcPts val="0"/>
+              <a:spcBef>
+                <a:spcPts val="1600"/>
               </a:spcBef>
               <a:spcAft>
                 <a:spcPts val="0"/>
               </a:spcAft>
               <a:buNone/>
             </a:pPr>
-            <a:r>
-              <a:rPr lang="en" sz="1200">
-                <a:solidFill>
-                  <a:srgbClr val="525C65"/>
-                </a:solidFill>
-                <a:highlight>
-                  <a:schemeClr val="lt1"/>
-                </a:highlight>
-                <a:latin typeface="Open Sans"/>
-                <a:ea typeface="Open Sans"/>
-                <a:cs typeface="Open Sans"/>
-                <a:sym typeface="Open Sans"/>
-              </a:rPr>
-              <a:t> </a:t>
-            </a:r>
-            <a:r>
-              <a:rPr lang="en" sz="1200">
-                <a:solidFill>
-                  <a:srgbClr val="FF0000"/>
-                </a:solidFill>
-                <a:highlight>
-                  <a:schemeClr val="lt1"/>
-                </a:highlight>
-                <a:latin typeface="Open Sans"/>
-                <a:ea typeface="Open Sans"/>
-                <a:cs typeface="Open Sans"/>
-                <a:sym typeface="Open Sans"/>
-              </a:rPr>
-              <a:t>** Replace example screenshot below with your response, and include the query in a SQL file</a:t>
-            </a:r>
-            <a:endParaRPr sz="1900" b="1">
+            <a:endParaRPr sz="1900" b="1" dirty="0">
               <a:latin typeface="Open Sans"/>
               <a:ea typeface="Open Sans"/>
               <a:cs typeface="Open Sans"/>
@@ -32767,14 +32293,14 @@
           <a:p>
             <a:pPr marL="0" lvl="0" indent="0" algn="l" rtl="0">
               <a:spcBef>
-                <a:spcPts val="0"/>
+                <a:spcPts val="1600"/>
               </a:spcBef>
               <a:spcAft>
                 <a:spcPts val="0"/>
               </a:spcAft>
               <a:buNone/>
             </a:pPr>
-            <a:endParaRPr sz="1900" b="1">
+            <a:endParaRPr sz="1900" b="1" dirty="0">
               <a:latin typeface="Open Sans"/>
               <a:ea typeface="Open Sans"/>
               <a:cs typeface="Open Sans"/>
@@ -32791,7 +32317,7 @@
               </a:spcAft>
               <a:buNone/>
             </a:pPr>
-            <a:endParaRPr sz="1900" b="1">
+            <a:endParaRPr sz="1900" b="1" dirty="0">
               <a:latin typeface="Open Sans"/>
               <a:ea typeface="Open Sans"/>
               <a:cs typeface="Open Sans"/>
@@ -32799,7 +32325,7 @@
             </a:endParaRPr>
           </a:p>
           <a:p>
-            <a:pPr marL="0" lvl="0" indent="0" algn="l" rtl="0">
+            <a:pPr marL="457200" lvl="0" indent="0" algn="l" rtl="0">
               <a:spcBef>
                 <a:spcPts val="1600"/>
               </a:spcBef>
@@ -32808,7 +32334,7 @@
               </a:spcAft>
               <a:buNone/>
             </a:pPr>
-            <a:endParaRPr sz="1900" b="1">
+            <a:endParaRPr sz="1900" b="1" dirty="0">
               <a:latin typeface="Open Sans"/>
               <a:ea typeface="Open Sans"/>
               <a:cs typeface="Open Sans"/>
@@ -32825,7 +32351,7 @@
               </a:spcAft>
               <a:buNone/>
             </a:pPr>
-            <a:endParaRPr sz="1900" b="1">
+            <a:endParaRPr sz="1900" b="1" dirty="0">
               <a:latin typeface="Open Sans"/>
               <a:ea typeface="Open Sans"/>
               <a:cs typeface="Open Sans"/>
@@ -32833,7 +32359,7 @@
             </a:endParaRPr>
           </a:p>
           <a:p>
-            <a:pPr marL="457200" lvl="0" indent="0" algn="l" rtl="0">
+            <a:pPr marL="0" lvl="0" indent="0" algn="l" rtl="0">
               <a:spcBef>
                 <a:spcPts val="1600"/>
               </a:spcBef>
@@ -32842,7 +32368,7 @@
               </a:spcAft>
               <a:buNone/>
             </a:pPr>
-            <a:endParaRPr sz="1900" b="1">
+            <a:endParaRPr sz="1900" b="1" dirty="0">
               <a:latin typeface="Open Sans"/>
               <a:ea typeface="Open Sans"/>
               <a:cs typeface="Open Sans"/>
@@ -32859,15 +32385,10 @@
               </a:spcAft>
               <a:buNone/>
             </a:pPr>
-            <a:endParaRPr sz="1900" b="1">
-              <a:latin typeface="Open Sans"/>
-              <a:ea typeface="Open Sans"/>
-              <a:cs typeface="Open Sans"/>
-              <a:sym typeface="Open Sans"/>
-            </a:endParaRPr>
-          </a:p>
-          <a:p>
-            <a:pPr marL="0" lvl="0" indent="0" algn="l" rtl="0">
+            <a:endParaRPr sz="1900" dirty="0"/>
+          </a:p>
+          <a:p>
+            <a:pPr marL="457200" lvl="0" indent="0" algn="l" rtl="0">
               <a:spcBef>
                 <a:spcPts val="1600"/>
               </a:spcBef>
@@ -32876,15 +32397,10 @@
               </a:spcAft>
               <a:buNone/>
             </a:pPr>
-            <a:endParaRPr sz="1900" b="1">
-              <a:latin typeface="Open Sans"/>
-              <a:ea typeface="Open Sans"/>
-              <a:cs typeface="Open Sans"/>
-              <a:sym typeface="Open Sans"/>
-            </a:endParaRPr>
-          </a:p>
-          <a:p>
-            <a:pPr marL="0" lvl="0" indent="0" algn="l" rtl="0">
+            <a:endParaRPr sz="1900" dirty="0"/>
+          </a:p>
+          <a:p>
+            <a:pPr marL="457200" lvl="0" indent="0" algn="l" rtl="0">
               <a:spcBef>
                 <a:spcPts val="1600"/>
               </a:spcBef>
@@ -32893,7 +32409,7 @@
               </a:spcAft>
               <a:buNone/>
             </a:pPr>
-            <a:endParaRPr sz="1900"/>
+            <a:endParaRPr sz="1900" dirty="0"/>
           </a:p>
           <a:p>
             <a:pPr marL="457200" lvl="0" indent="0" algn="l" rtl="0">
@@ -32901,70 +32417,42 @@
                 <a:spcPts val="1600"/>
               </a:spcBef>
               <a:spcAft>
-                <a:spcPts val="0"/>
+                <a:spcPts val="1600"/>
               </a:spcAft>
               <a:buNone/>
             </a:pPr>
-            <a:endParaRPr sz="1900"/>
-          </a:p>
-          <a:p>
-            <a:pPr marL="457200" lvl="0" indent="0" algn="l" rtl="0">
-              <a:spcBef>
-                <a:spcPts val="1600"/>
-              </a:spcBef>
-              <a:spcAft>
-                <a:spcPts val="0"/>
-              </a:spcAft>
-              <a:buNone/>
-            </a:pPr>
-            <a:endParaRPr sz="1900"/>
-          </a:p>
-          <a:p>
-            <a:pPr marL="457200" lvl="0" indent="0" algn="l" rtl="0">
-              <a:spcBef>
-                <a:spcPts val="1600"/>
-              </a:spcBef>
-              <a:spcAft>
-                <a:spcPts val="1600"/>
-              </a:spcAft>
-              <a:buNone/>
-            </a:pPr>
-            <a:endParaRPr sz="1900"/>
+            <a:endParaRPr sz="1900" dirty="0"/>
           </a:p>
         </p:txBody>
       </p:sp>
       <p:pic>
         <p:nvPicPr>
-          <p:cNvPr id="311" name="Google Shape;311;p71"/>
-          <p:cNvPicPr preferRelativeResize="0"/>
+          <p:cNvPr id="7" name="Picture 6">
+            <a:extLst>
+              <a:ext uri="{FF2B5EF4-FFF2-40B4-BE49-F238E27FC236}">
+                <a16:creationId xmlns:a16="http://schemas.microsoft.com/office/drawing/2014/main" id="{6169E329-6ACE-BB06-5FFC-D3E355204A2B}"/>
+              </a:ext>
+            </a:extLst>
+          </p:cNvPr>
+          <p:cNvPicPr>
+            <a:picLocks noChangeAspect="1"/>
+          </p:cNvPicPr>
           <p:nvPr/>
         </p:nvPicPr>
         <p:blipFill>
-          <a:blip r:embed="rId3">
-            <a:alphaModFix/>
-          </a:blip>
+          <a:blip r:embed="rId3"/>
           <a:stretch>
             <a:fillRect/>
           </a:stretch>
         </p:blipFill>
         <p:spPr>
           <a:xfrm>
-            <a:off x="1088175" y="4781750"/>
-            <a:ext cx="5036025" cy="3241700"/>
+            <a:off x="199510" y="3806287"/>
+            <a:ext cx="7373379" cy="3581900"/>
           </a:xfrm>
           <a:prstGeom prst="rect">
             <a:avLst/>
           </a:prstGeom>
-          <a:noFill/>
-          <a:ln w="9525" cap="flat" cmpd="sng">
-            <a:solidFill>
-              <a:schemeClr val="dk2"/>
-            </a:solidFill>
-            <a:prstDash val="solid"/>
-            <a:round/>
-            <a:headEnd type="none" w="sm" len="sm"/>
-            <a:tailEnd type="none" w="sm" len="sm"/>
-          </a:ln>
         </p:spPr>
       </p:pic>
     </p:spTree>
@@ -33068,7 +32556,7 @@
               </a:spcAft>
               <a:buNone/>
             </a:pPr>
-            <a:endParaRPr sz="1900"/>
+            <a:endParaRPr sz="1900" dirty="0"/>
           </a:p>
           <a:p>
             <a:pPr marL="457200" lvl="0" indent="-349250" algn="l" rtl="0">
@@ -33083,7 +32571,7 @@
               <a:buChar char="●"/>
             </a:pPr>
             <a:r>
-              <a:rPr lang="en" sz="1900" b="1">
+              <a:rPr lang="en" sz="1900" b="1" dirty="0">
                 <a:latin typeface="Open Sans"/>
                 <a:ea typeface="Open Sans"/>
                 <a:cs typeface="Open Sans"/>
@@ -33091,7 +32579,7 @@
               </a:rPr>
               <a:t>Question 5: How many employees are in each department?</a:t>
             </a:r>
-            <a:endParaRPr sz="1900" b="1">
+            <a:endParaRPr sz="1900" b="1" dirty="0">
               <a:latin typeface="Open Sans"/>
               <a:ea typeface="Open Sans"/>
               <a:cs typeface="Open Sans"/>
@@ -33108,7 +32596,7 @@
               </a:spcAft>
               <a:buNone/>
             </a:pPr>
-            <a:endParaRPr sz="1900" b="1">
+            <a:endParaRPr sz="1900" b="1" dirty="0">
               <a:latin typeface="Open Sans"/>
               <a:ea typeface="Open Sans"/>
               <a:cs typeface="Open Sans"/>
@@ -33117,48 +32605,15 @@
           </a:p>
           <a:p>
             <a:pPr marL="0" lvl="0" indent="0" algn="l" rtl="0">
-              <a:lnSpc>
-                <a:spcPct val="170000"/>
-              </a:lnSpc>
-              <a:spcBef>
-                <a:spcPts val="1600"/>
+              <a:spcBef>
+                <a:spcPts val="0"/>
               </a:spcBef>
               <a:spcAft>
                 <a:spcPts val="0"/>
               </a:spcAft>
               <a:buNone/>
             </a:pPr>
-            <a:r>
-              <a:rPr lang="en" sz="1200">
-                <a:solidFill>
-                  <a:srgbClr val="525C65"/>
-                </a:solidFill>
-                <a:highlight>
-                  <a:schemeClr val="lt1"/>
-                </a:highlight>
-                <a:latin typeface="Open Sans"/>
-                <a:ea typeface="Open Sans"/>
-                <a:cs typeface="Open Sans"/>
-                <a:sym typeface="Open Sans"/>
-              </a:rPr>
-              <a:t>      </a:t>
-            </a:r>
-            <a:r>
-              <a:rPr lang="en" sz="1200">
-                <a:solidFill>
-                  <a:srgbClr val="FF0000"/>
-                </a:solidFill>
-                <a:highlight>
-                  <a:schemeClr val="lt1"/>
-                </a:highlight>
-                <a:latin typeface="Open Sans"/>
-                <a:ea typeface="Open Sans"/>
-                <a:cs typeface="Open Sans"/>
-                <a:sym typeface="Open Sans"/>
-              </a:rPr>
-              <a:t>** Replace example screenshot below with your response, and include the query in a SQL file</a:t>
-            </a:r>
-            <a:endParaRPr sz="1900" b="1">
+            <a:endParaRPr sz="1900" b="1" dirty="0">
               <a:latin typeface="Open Sans"/>
               <a:ea typeface="Open Sans"/>
               <a:cs typeface="Open Sans"/>
@@ -33168,14 +32623,14 @@
           <a:p>
             <a:pPr marL="0" lvl="0" indent="0" algn="l" rtl="0">
               <a:spcBef>
-                <a:spcPts val="0"/>
+                <a:spcPts val="1600"/>
               </a:spcBef>
               <a:spcAft>
                 <a:spcPts val="0"/>
               </a:spcAft>
               <a:buNone/>
             </a:pPr>
-            <a:endParaRPr sz="1900" b="1">
+            <a:endParaRPr sz="1900" b="1" dirty="0">
               <a:latin typeface="Open Sans"/>
               <a:ea typeface="Open Sans"/>
               <a:cs typeface="Open Sans"/>
@@ -33192,7 +32647,7 @@
               </a:spcAft>
               <a:buNone/>
             </a:pPr>
-            <a:endParaRPr sz="1900" b="1">
+            <a:endParaRPr sz="1900" b="1" dirty="0">
               <a:latin typeface="Open Sans"/>
               <a:ea typeface="Open Sans"/>
               <a:cs typeface="Open Sans"/>
@@ -33209,7 +32664,7 @@
               </a:spcAft>
               <a:buNone/>
             </a:pPr>
-            <a:endParaRPr sz="1900" b="1">
+            <a:endParaRPr sz="1900" b="1" dirty="0">
               <a:latin typeface="Open Sans"/>
               <a:ea typeface="Open Sans"/>
               <a:cs typeface="Open Sans"/>
@@ -33217,7 +32672,7 @@
             </a:endParaRPr>
           </a:p>
           <a:p>
-            <a:pPr marL="0" lvl="0" indent="0" algn="l" rtl="0">
+            <a:pPr marL="457200" lvl="0" indent="0" algn="l" rtl="0">
               <a:spcBef>
                 <a:spcPts val="1600"/>
               </a:spcBef>
@@ -33226,7 +32681,7 @@
               </a:spcAft>
               <a:buNone/>
             </a:pPr>
-            <a:endParaRPr sz="1900" b="1">
+            <a:endParaRPr sz="1900" b="1" dirty="0">
               <a:latin typeface="Open Sans"/>
               <a:ea typeface="Open Sans"/>
               <a:cs typeface="Open Sans"/>
@@ -33234,7 +32689,7 @@
             </a:endParaRPr>
           </a:p>
           <a:p>
-            <a:pPr marL="457200" lvl="0" indent="0" algn="l" rtl="0">
+            <a:pPr marL="0" lvl="0" indent="0" algn="l" rtl="0">
               <a:spcBef>
                 <a:spcPts val="1600"/>
               </a:spcBef>
@@ -33243,7 +32698,7 @@
               </a:spcAft>
               <a:buNone/>
             </a:pPr>
-            <a:endParaRPr sz="1900" b="1">
+            <a:endParaRPr sz="1900" b="1" dirty="0">
               <a:latin typeface="Open Sans"/>
               <a:ea typeface="Open Sans"/>
               <a:cs typeface="Open Sans"/>
@@ -33260,7 +32715,7 @@
               </a:spcAft>
               <a:buNone/>
             </a:pPr>
-            <a:endParaRPr sz="1900" b="1">
+            <a:endParaRPr sz="1900" b="1" dirty="0">
               <a:latin typeface="Open Sans"/>
               <a:ea typeface="Open Sans"/>
               <a:cs typeface="Open Sans"/>
@@ -33277,15 +32732,10 @@
               </a:spcAft>
               <a:buNone/>
             </a:pPr>
-            <a:endParaRPr sz="1900" b="1">
-              <a:latin typeface="Open Sans"/>
-              <a:ea typeface="Open Sans"/>
-              <a:cs typeface="Open Sans"/>
-              <a:sym typeface="Open Sans"/>
-            </a:endParaRPr>
-          </a:p>
-          <a:p>
-            <a:pPr marL="0" lvl="0" indent="0" algn="l" rtl="0">
+            <a:endParaRPr sz="1900" dirty="0"/>
+          </a:p>
+          <a:p>
+            <a:pPr marL="457200" lvl="0" indent="0" algn="l" rtl="0">
               <a:spcBef>
                 <a:spcPts val="1600"/>
               </a:spcBef>
@@ -33294,7 +32744,7 @@
               </a:spcAft>
               <a:buNone/>
             </a:pPr>
-            <a:endParaRPr sz="1900"/>
+            <a:endParaRPr sz="1900" dirty="0"/>
           </a:p>
           <a:p>
             <a:pPr marL="457200" lvl="0" indent="0" algn="l" rtl="0">
@@ -33306,7 +32756,7 @@
               </a:spcAft>
               <a:buNone/>
             </a:pPr>
-            <a:endParaRPr sz="1900"/>
+            <a:endParaRPr sz="1900" dirty="0"/>
           </a:p>
           <a:p>
             <a:pPr marL="457200" lvl="0" indent="0" algn="l" rtl="0">
@@ -33314,58 +32764,42 @@
                 <a:spcPts val="1600"/>
               </a:spcBef>
               <a:spcAft>
-                <a:spcPts val="0"/>
+                <a:spcPts val="1600"/>
               </a:spcAft>
               <a:buNone/>
             </a:pPr>
-            <a:endParaRPr sz="1900"/>
-          </a:p>
-          <a:p>
-            <a:pPr marL="457200" lvl="0" indent="0" algn="l" rtl="0">
-              <a:spcBef>
-                <a:spcPts val="1600"/>
-              </a:spcBef>
-              <a:spcAft>
-                <a:spcPts val="1600"/>
-              </a:spcAft>
-              <a:buNone/>
-            </a:pPr>
-            <a:endParaRPr sz="1900"/>
+            <a:endParaRPr sz="1900" dirty="0"/>
           </a:p>
         </p:txBody>
       </p:sp>
       <p:pic>
         <p:nvPicPr>
-          <p:cNvPr id="318" name="Google Shape;318;p72"/>
-          <p:cNvPicPr preferRelativeResize="0"/>
+          <p:cNvPr id="8" name="Picture 7">
+            <a:extLst>
+              <a:ext uri="{FF2B5EF4-FFF2-40B4-BE49-F238E27FC236}">
+                <a16:creationId xmlns:a16="http://schemas.microsoft.com/office/drawing/2014/main" id="{5B519B20-83B9-1B6C-7E41-FF781A5D0947}"/>
+              </a:ext>
+            </a:extLst>
+          </p:cNvPr>
+          <p:cNvPicPr>
+            <a:picLocks noChangeAspect="1"/>
+          </p:cNvPicPr>
           <p:nvPr/>
         </p:nvPicPr>
         <p:blipFill>
-          <a:blip r:embed="rId3">
-            <a:alphaModFix/>
-          </a:blip>
+          <a:blip r:embed="rId3"/>
           <a:stretch>
             <a:fillRect/>
           </a:stretch>
         </p:blipFill>
         <p:spPr>
           <a:xfrm>
-            <a:off x="1088175" y="4781750"/>
-            <a:ext cx="5036025" cy="3241700"/>
+            <a:off x="264850" y="3646970"/>
+            <a:ext cx="7440063" cy="3429479"/>
           </a:xfrm>
           <a:prstGeom prst="rect">
             <a:avLst/>
           </a:prstGeom>
-          <a:noFill/>
-          <a:ln w="9525" cap="flat" cmpd="sng">
-            <a:solidFill>
-              <a:schemeClr val="dk2"/>
-            </a:solidFill>
-            <a:prstDash val="solid"/>
-            <a:round/>
-            <a:headEnd type="none" w="sm" len="sm"/>
-            <a:tailEnd type="none" w="sm" len="sm"/>
-          </a:ln>
         </p:spPr>
       </p:pic>
     </p:spTree>
@@ -33469,7 +32903,7 @@
               </a:spcAft>
               <a:buNone/>
             </a:pPr>
-            <a:endParaRPr sz="1900"/>
+            <a:endParaRPr sz="1900" dirty="0"/>
           </a:p>
           <a:p>
             <a:pPr marL="457200" lvl="0" indent="-349250" algn="l" rtl="0">
@@ -33484,7 +32918,7 @@
               <a:buChar char="●"/>
             </a:pPr>
             <a:r>
-              <a:rPr lang="en" sz="1900" b="1">
+              <a:rPr lang="en" sz="1900" b="1" dirty="0">
                 <a:latin typeface="Open Sans"/>
                 <a:ea typeface="Open Sans"/>
                 <a:cs typeface="Open Sans"/>
@@ -33492,7 +32926,7 @@
               </a:rPr>
               <a:t>Question 6: Write a query that returns current and past jobs (include employee name, job title, department, manager name, start and end date for position) for employee Toni Lembeck.</a:t>
             </a:r>
-            <a:endParaRPr sz="1900" b="1">
+            <a:endParaRPr sz="1900" b="1" dirty="0">
               <a:latin typeface="Open Sans"/>
               <a:ea typeface="Open Sans"/>
               <a:cs typeface="Open Sans"/>
@@ -33501,48 +32935,15 @@
           </a:p>
           <a:p>
             <a:pPr marL="0" lvl="0" indent="0" algn="l" rtl="0">
-              <a:lnSpc>
-                <a:spcPct val="170000"/>
-              </a:lnSpc>
-              <a:spcBef>
-                <a:spcPts val="1600"/>
+              <a:spcBef>
+                <a:spcPts val="0"/>
               </a:spcBef>
               <a:spcAft>
                 <a:spcPts val="0"/>
               </a:spcAft>
               <a:buNone/>
             </a:pPr>
-            <a:r>
-              <a:rPr lang="en" sz="1200">
-                <a:solidFill>
-                  <a:srgbClr val="525C65"/>
-                </a:solidFill>
-                <a:highlight>
-                  <a:schemeClr val="lt1"/>
-                </a:highlight>
-                <a:latin typeface="Open Sans"/>
-                <a:ea typeface="Open Sans"/>
-                <a:cs typeface="Open Sans"/>
-                <a:sym typeface="Open Sans"/>
-              </a:rPr>
-              <a:t>          </a:t>
-            </a:r>
-            <a:r>
-              <a:rPr lang="en" sz="1200">
-                <a:solidFill>
-                  <a:srgbClr val="FF0000"/>
-                </a:solidFill>
-                <a:highlight>
-                  <a:schemeClr val="lt1"/>
-                </a:highlight>
-                <a:latin typeface="Open Sans"/>
-                <a:ea typeface="Open Sans"/>
-                <a:cs typeface="Open Sans"/>
-                <a:sym typeface="Open Sans"/>
-              </a:rPr>
-              <a:t>** Replace example screenshot below with your response, and include the query in a SQL file</a:t>
-            </a:r>
-            <a:endParaRPr sz="1900" b="1">
+            <a:endParaRPr lang="en-IN" sz="1900" b="1" dirty="0">
               <a:latin typeface="Open Sans"/>
               <a:ea typeface="Open Sans"/>
               <a:cs typeface="Open Sans"/>
@@ -33559,7 +32960,7 @@
               </a:spcAft>
               <a:buNone/>
             </a:pPr>
-            <a:endParaRPr sz="1900" b="1">
+            <a:endParaRPr sz="1900" b="1" dirty="0">
               <a:latin typeface="Open Sans"/>
               <a:ea typeface="Open Sans"/>
               <a:cs typeface="Open Sans"/>
@@ -33576,7 +32977,7 @@
               </a:spcAft>
               <a:buNone/>
             </a:pPr>
-            <a:endParaRPr sz="1900" b="1">
+            <a:endParaRPr sz="1900" b="1" dirty="0">
               <a:latin typeface="Open Sans"/>
               <a:ea typeface="Open Sans"/>
               <a:cs typeface="Open Sans"/>
@@ -33593,7 +32994,7 @@
               </a:spcAft>
               <a:buNone/>
             </a:pPr>
-            <a:endParaRPr sz="1900" b="1">
+            <a:endParaRPr sz="1900" b="1" dirty="0">
               <a:latin typeface="Open Sans"/>
               <a:ea typeface="Open Sans"/>
               <a:cs typeface="Open Sans"/>
@@ -33610,7 +33011,7 @@
               </a:spcAft>
               <a:buNone/>
             </a:pPr>
-            <a:endParaRPr sz="1900" b="1">
+            <a:endParaRPr sz="1900" b="1" dirty="0">
               <a:latin typeface="Open Sans"/>
               <a:ea typeface="Open Sans"/>
               <a:cs typeface="Open Sans"/>
@@ -33627,7 +33028,7 @@
               </a:spcAft>
               <a:buNone/>
             </a:pPr>
-            <a:endParaRPr sz="1900" b="1">
+            <a:endParaRPr sz="1900" b="1" dirty="0">
               <a:latin typeface="Open Sans"/>
               <a:ea typeface="Open Sans"/>
               <a:cs typeface="Open Sans"/>
@@ -33644,7 +33045,7 @@
               </a:spcAft>
               <a:buNone/>
             </a:pPr>
-            <a:endParaRPr sz="1900" b="1">
+            <a:endParaRPr sz="1900" b="1" dirty="0">
               <a:latin typeface="Open Sans"/>
               <a:ea typeface="Open Sans"/>
               <a:cs typeface="Open Sans"/>
@@ -33661,7 +33062,7 @@
               </a:spcAft>
               <a:buNone/>
             </a:pPr>
-            <a:endParaRPr sz="1900" b="1">
+            <a:endParaRPr sz="1900" b="1" dirty="0">
               <a:latin typeface="Open Sans"/>
               <a:ea typeface="Open Sans"/>
               <a:cs typeface="Open Sans"/>
@@ -33678,7 +33079,7 @@
               </a:spcAft>
               <a:buNone/>
             </a:pPr>
-            <a:endParaRPr sz="1900"/>
+            <a:endParaRPr sz="1900" dirty="0"/>
           </a:p>
           <a:p>
             <a:pPr marL="457200" lvl="0" indent="0" algn="l" rtl="0">
@@ -33690,7 +33091,7 @@
               </a:spcAft>
               <a:buNone/>
             </a:pPr>
-            <a:endParaRPr sz="1900"/>
+            <a:endParaRPr sz="1900" dirty="0"/>
           </a:p>
           <a:p>
             <a:pPr marL="457200" lvl="0" indent="0" algn="l" rtl="0">
@@ -33702,7 +33103,7 @@
               </a:spcAft>
               <a:buNone/>
             </a:pPr>
-            <a:endParaRPr sz="1900"/>
+            <a:endParaRPr sz="1900" dirty="0"/>
           </a:p>
           <a:p>
             <a:pPr marL="457200" lvl="0" indent="0" algn="l" rtl="0">
@@ -33714,42 +33115,38 @@
               </a:spcAft>
               <a:buNone/>
             </a:pPr>
-            <a:endParaRPr sz="1900"/>
+            <a:endParaRPr sz="1900" dirty="0"/>
           </a:p>
         </p:txBody>
       </p:sp>
       <p:pic>
         <p:nvPicPr>
-          <p:cNvPr id="325" name="Google Shape;325;p73"/>
-          <p:cNvPicPr preferRelativeResize="0"/>
+          <p:cNvPr id="5" name="Picture 4">
+            <a:extLst>
+              <a:ext uri="{FF2B5EF4-FFF2-40B4-BE49-F238E27FC236}">
+                <a16:creationId xmlns:a16="http://schemas.microsoft.com/office/drawing/2014/main" id="{3435FD3F-F120-BA43-F41D-871AFE386B4E}"/>
+              </a:ext>
+            </a:extLst>
+          </p:cNvPr>
+          <p:cNvPicPr>
+            <a:picLocks noChangeAspect="1"/>
+          </p:cNvPicPr>
           <p:nvPr/>
         </p:nvPicPr>
         <p:blipFill>
-          <a:blip r:embed="rId3">
-            <a:alphaModFix/>
-          </a:blip>
+          <a:blip r:embed="rId3"/>
           <a:stretch>
             <a:fillRect/>
           </a:stretch>
         </p:blipFill>
         <p:spPr>
           <a:xfrm>
-            <a:off x="1088175" y="4781750"/>
-            <a:ext cx="5036025" cy="3241700"/>
+            <a:off x="194747" y="4216268"/>
+            <a:ext cx="7382905" cy="3953427"/>
           </a:xfrm>
           <a:prstGeom prst="rect">
             <a:avLst/>
           </a:prstGeom>
-          <a:noFill/>
-          <a:ln w="9525" cap="flat" cmpd="sng">
-            <a:solidFill>
-              <a:schemeClr val="dk2"/>
-            </a:solidFill>
-            <a:prstDash val="solid"/>
-            <a:round/>
-            <a:headEnd type="none" w="sm" len="sm"/>
-            <a:tailEnd type="none" w="sm" len="sm"/>
-          </a:ln>
         </p:spPr>
       </p:pic>
     </p:spTree>
@@ -33856,7 +33253,7 @@
               <a:buChar char="●"/>
             </a:pPr>
             <a:r>
-              <a:rPr lang="en" sz="1900" b="1">
+              <a:rPr lang="en" sz="1900" b="1" dirty="0">
                 <a:latin typeface="Open Sans"/>
                 <a:ea typeface="Open Sans"/>
                 <a:cs typeface="Open Sans"/>
@@ -33864,7 +33261,7 @@
               </a:rPr>
               <a:t>Question 7: Describe how you would apply table security to restrict access to employee salaries using an SQL server.</a:t>
             </a:r>
-            <a:endParaRPr sz="1900" b="1">
+            <a:endParaRPr sz="1900" b="1" dirty="0">
               <a:latin typeface="Open Sans"/>
               <a:ea typeface="Open Sans"/>
               <a:cs typeface="Open Sans"/>
@@ -33872,7 +33269,7 @@
             </a:endParaRPr>
           </a:p>
           <a:p>
-            <a:pPr marL="0" lvl="0" indent="0" algn="l" rtl="0">
+            <a:pPr marL="457200" lvl="0" indent="0" algn="l" rtl="0">
               <a:spcBef>
                 <a:spcPts val="1600"/>
               </a:spcBef>
@@ -33882,26 +33279,33 @@
               <a:buNone/>
             </a:pPr>
             <a:r>
-              <a:rPr lang="en" sz="1900" b="1">
-                <a:solidFill>
-                  <a:srgbClr val="FF0000"/>
-                </a:solidFill>
+              <a:rPr lang="en-US" sz="1700" dirty="0">
                 <a:latin typeface="Open Sans"/>
                 <a:ea typeface="Open Sans"/>
                 <a:cs typeface="Open Sans"/>
                 <a:sym typeface="Open Sans"/>
               </a:rPr>
-              <a:t>** answer in a short paragraph, how you would apply table security to restrict access to employee salaries</a:t>
+              <a:t>I think the best way is applying </a:t>
             </a:r>
-            <a:endParaRPr sz="1900" b="1">
-              <a:solidFill>
-                <a:srgbClr val="FF0000"/>
-              </a:solidFill>
-              <a:latin typeface="Open Sans"/>
-              <a:ea typeface="Open Sans"/>
-              <a:cs typeface="Open Sans"/>
-              <a:sym typeface="Open Sans"/>
-            </a:endParaRPr>
+            <a:r>
+              <a:rPr lang="en-US" sz="1700" b="1" dirty="0">
+                <a:latin typeface="Open Sans"/>
+                <a:ea typeface="Open Sans"/>
+                <a:cs typeface="Open Sans"/>
+                <a:sym typeface="Open Sans"/>
+              </a:rPr>
+              <a:t>row-lever-security</a:t>
+            </a:r>
+            <a:r>
+              <a:rPr lang="en-US" sz="1700" dirty="0">
+                <a:latin typeface="Open Sans"/>
+                <a:ea typeface="Open Sans"/>
+                <a:cs typeface="Open Sans"/>
+                <a:sym typeface="Open Sans"/>
+              </a:rPr>
+              <a:t> to grant permission to read salary table only to the management and HR employees. </a:t>
+            </a:r>
+            <a:endParaRPr sz="1900" dirty="0"/>
           </a:p>
           <a:p>
             <a:pPr marL="457200" lvl="0" indent="0" algn="l" rtl="0">
@@ -33913,15 +33317,10 @@
               </a:spcAft>
               <a:buNone/>
             </a:pPr>
-            <a:endParaRPr sz="1900" b="1">
-              <a:latin typeface="Open Sans"/>
-              <a:ea typeface="Open Sans"/>
-              <a:cs typeface="Open Sans"/>
-              <a:sym typeface="Open Sans"/>
-            </a:endParaRPr>
-          </a:p>
-          <a:p>
-            <a:pPr marL="0" lvl="0" indent="0" algn="l" rtl="0">
+            <a:endParaRPr sz="1900" dirty="0"/>
+          </a:p>
+          <a:p>
+            <a:pPr marL="457200" lvl="0" indent="0" algn="l" rtl="0">
               <a:spcBef>
                 <a:spcPts val="1600"/>
               </a:spcBef>
@@ -33930,7 +33329,7 @@
               </a:spcAft>
               <a:buNone/>
             </a:pPr>
-            <a:endParaRPr sz="1900"/>
+            <a:endParaRPr sz="1900" dirty="0"/>
           </a:p>
           <a:p>
             <a:pPr marL="457200" lvl="0" indent="0" algn="l" rtl="0">
@@ -33938,35 +33337,11 @@
                 <a:spcPts val="1600"/>
               </a:spcBef>
               <a:spcAft>
-                <a:spcPts val="0"/>
+                <a:spcPts val="1600"/>
               </a:spcAft>
               <a:buNone/>
             </a:pPr>
-            <a:endParaRPr sz="1900"/>
-          </a:p>
-          <a:p>
-            <a:pPr marL="457200" lvl="0" indent="0" algn="l" rtl="0">
-              <a:spcBef>
-                <a:spcPts val="1600"/>
-              </a:spcBef>
-              <a:spcAft>
-                <a:spcPts val="0"/>
-              </a:spcAft>
-              <a:buNone/>
-            </a:pPr>
-            <a:endParaRPr sz="1900"/>
-          </a:p>
-          <a:p>
-            <a:pPr marL="457200" lvl="0" indent="0" algn="l" rtl="0">
-              <a:spcBef>
-                <a:spcPts val="1600"/>
-              </a:spcBef>
-              <a:spcAft>
-                <a:spcPts val="1600"/>
-              </a:spcAft>
-              <a:buNone/>
-            </a:pPr>
-            <a:endParaRPr sz="1900"/>
+            <a:endParaRPr sz="1900" dirty="0"/>
           </a:p>
         </p:txBody>
       </p:sp>
@@ -34432,7 +33807,7 @@
               <a:buNone/>
             </a:pPr>
             <a:r>
-              <a:rPr lang="en" sz="2000" b="1">
+              <a:rPr lang="en" sz="2000" b="1" dirty="0">
                 <a:latin typeface="Open Sans"/>
                 <a:ea typeface="Open Sans"/>
                 <a:cs typeface="Open Sans"/>
@@ -34440,63 +33815,63 @@
               </a:rPr>
               <a:t>Create a view that returns all employee attributes; results should resemble initial Excel file</a:t>
             </a:r>
-            <a:endParaRPr sz="2000" b="1">
-              <a:latin typeface="Open Sans"/>
-              <a:ea typeface="Open Sans"/>
-              <a:cs typeface="Open Sans"/>
-              <a:sym typeface="Open Sans"/>
-            </a:endParaRPr>
           </a:p>
           <a:p>
             <a:pPr marL="0" lvl="0" indent="0" algn="l" rtl="0">
               <a:spcBef>
+                <a:spcPts val="0"/>
+              </a:spcBef>
+              <a:spcAft>
+                <a:spcPts val="0"/>
+              </a:spcAft>
+              <a:buNone/>
+            </a:pPr>
+            <a:endParaRPr sz="1900" dirty="0"/>
+          </a:p>
+          <a:p>
+            <a:pPr marL="457200" lvl="0" indent="0" algn="l" rtl="0">
+              <a:spcBef>
                 <a:spcPts val="1600"/>
               </a:spcBef>
               <a:spcAft>
-                <a:spcPts val="0"/>
+                <a:spcPts val="1600"/>
               </a:spcAft>
               <a:buNone/>
             </a:pPr>
-            <a:r>
-              <a:rPr lang="en" sz="1900">
-                <a:solidFill>
-                  <a:srgbClr val="FF0000"/>
-                </a:solidFill>
-              </a:rPr>
-              <a:t>** return a screenshot of the view create code, along with the results of a select all on the view </a:t>
-            </a:r>
-            <a:endParaRPr sz="1900">
-              <a:solidFill>
-                <a:srgbClr val="FF0000"/>
-              </a:solidFill>
-            </a:endParaRPr>
-          </a:p>
-          <a:p>
-            <a:pPr marL="457200" lvl="0" indent="0" algn="l" rtl="0">
-              <a:spcBef>
-                <a:spcPts val="1600"/>
-              </a:spcBef>
-              <a:spcAft>
-                <a:spcPts val="0"/>
-              </a:spcAft>
-              <a:buNone/>
-            </a:pPr>
-            <a:endParaRPr sz="1900"/>
-          </a:p>
-          <a:p>
-            <a:pPr marL="457200" lvl="0" indent="0" algn="l" rtl="0">
-              <a:spcBef>
-                <a:spcPts val="1600"/>
-              </a:spcBef>
-              <a:spcAft>
-                <a:spcPts val="1600"/>
-              </a:spcAft>
-              <a:buNone/>
-            </a:pPr>
-            <a:endParaRPr sz="1900"/>
+            <a:endParaRPr sz="1900" dirty="0"/>
           </a:p>
         </p:txBody>
       </p:sp>
+      <p:pic>
+        <p:nvPicPr>
+          <p:cNvPr id="5" name="Picture 4">
+            <a:extLst>
+              <a:ext uri="{FF2B5EF4-FFF2-40B4-BE49-F238E27FC236}">
+                <a16:creationId xmlns:a16="http://schemas.microsoft.com/office/drawing/2014/main" id="{C6E21605-5CEF-A041-6DDA-136706926B70}"/>
+              </a:ext>
+            </a:extLst>
+          </p:cNvPr>
+          <p:cNvPicPr>
+            <a:picLocks noChangeAspect="1"/>
+          </p:cNvPicPr>
+          <p:nvPr/>
+        </p:nvPicPr>
+        <p:blipFill>
+          <a:blip r:embed="rId3"/>
+          <a:stretch>
+            <a:fillRect/>
+          </a:stretch>
+        </p:blipFill>
+        <p:spPr>
+          <a:xfrm>
+            <a:off x="185221" y="3311246"/>
+            <a:ext cx="7401958" cy="6068272"/>
+          </a:xfrm>
+          <a:prstGeom prst="rect">
+            <a:avLst/>
+          </a:prstGeom>
+        </p:spPr>
+      </p:pic>
     </p:spTree>
   </p:cSld>
   <p:clrMapOvr>
@@ -34599,7 +33974,7 @@
               <a:buNone/>
             </a:pPr>
             <a:r>
-              <a:rPr lang="en" sz="2000" b="1">
+              <a:rPr lang="en" sz="2000" b="1" dirty="0">
                 <a:latin typeface="Open Sans"/>
                 <a:ea typeface="Open Sans"/>
                 <a:cs typeface="Open Sans"/>
@@ -34607,63 +33982,63 @@
               </a:rPr>
               <a:t>Create a stored procedure with parameters that returns current and past jobs (include employee name, job title, department, manager name, start and end date for position) when given an employee name.</a:t>
             </a:r>
-            <a:endParaRPr sz="2000" b="1">
-              <a:latin typeface="Open Sans"/>
-              <a:ea typeface="Open Sans"/>
-              <a:cs typeface="Open Sans"/>
-              <a:sym typeface="Open Sans"/>
-            </a:endParaRPr>
           </a:p>
           <a:p>
             <a:pPr marL="0" lvl="0" indent="0" algn="l" rtl="0">
               <a:spcBef>
+                <a:spcPts val="0"/>
+              </a:spcBef>
+              <a:spcAft>
+                <a:spcPts val="0"/>
+              </a:spcAft>
+              <a:buNone/>
+            </a:pPr>
+            <a:endParaRPr sz="1900" dirty="0"/>
+          </a:p>
+          <a:p>
+            <a:pPr marL="457200" lvl="0" indent="0" algn="l" rtl="0">
+              <a:spcBef>
                 <a:spcPts val="1600"/>
               </a:spcBef>
               <a:spcAft>
-                <a:spcPts val="0"/>
+                <a:spcPts val="1600"/>
               </a:spcAft>
               <a:buNone/>
             </a:pPr>
-            <a:r>
-              <a:rPr lang="en" sz="1900">
-                <a:solidFill>
-                  <a:srgbClr val="FF0000"/>
-                </a:solidFill>
-              </a:rPr>
-              <a:t>** submit screenshot of stored procedure creation code, along with a screenshot of the stored procedure executed using Toni Lembeck as the parameter value</a:t>
-            </a:r>
-            <a:endParaRPr sz="1900">
-              <a:solidFill>
-                <a:srgbClr val="FF0000"/>
-              </a:solidFill>
-            </a:endParaRPr>
-          </a:p>
-          <a:p>
-            <a:pPr marL="457200" lvl="0" indent="0" algn="l" rtl="0">
-              <a:spcBef>
-                <a:spcPts val="1600"/>
-              </a:spcBef>
-              <a:spcAft>
-                <a:spcPts val="0"/>
-              </a:spcAft>
-              <a:buNone/>
-            </a:pPr>
-            <a:endParaRPr sz="1900"/>
-          </a:p>
-          <a:p>
-            <a:pPr marL="457200" lvl="0" indent="0" algn="l" rtl="0">
-              <a:spcBef>
-                <a:spcPts val="1600"/>
-              </a:spcBef>
-              <a:spcAft>
-                <a:spcPts val="1600"/>
-              </a:spcAft>
-              <a:buNone/>
-            </a:pPr>
-            <a:endParaRPr sz="1900"/>
+            <a:endParaRPr sz="1900" dirty="0"/>
           </a:p>
         </p:txBody>
       </p:sp>
+      <p:pic>
+        <p:nvPicPr>
+          <p:cNvPr id="3" name="Picture 2">
+            <a:extLst>
+              <a:ext uri="{FF2B5EF4-FFF2-40B4-BE49-F238E27FC236}">
+                <a16:creationId xmlns:a16="http://schemas.microsoft.com/office/drawing/2014/main" id="{3C7451A0-879F-ADE6-1691-0C08A2FF5820}"/>
+              </a:ext>
+            </a:extLst>
+          </p:cNvPr>
+          <p:cNvPicPr>
+            <a:picLocks noChangeAspect="1"/>
+          </p:cNvPicPr>
+          <p:nvPr/>
+        </p:nvPicPr>
+        <p:blipFill>
+          <a:blip r:embed="rId3"/>
+          <a:stretch>
+            <a:fillRect/>
+          </a:stretch>
+        </p:blipFill>
+        <p:spPr>
+          <a:xfrm>
+            <a:off x="109123" y="4078037"/>
+            <a:ext cx="7398327" cy="4659443"/>
+          </a:xfrm>
+          <a:prstGeom prst="rect">
+            <a:avLst/>
+          </a:prstGeom>
+        </p:spPr>
+      </p:pic>
     </p:spTree>
   </p:cSld>
   <p:clrMapOvr>
@@ -34766,7 +34141,7 @@
               <a:buNone/>
             </a:pPr>
             <a:r>
-              <a:rPr lang="en" sz="2000" b="1">
+              <a:rPr lang="en" sz="2000" b="1" dirty="0">
                 <a:latin typeface="Open Sans"/>
                 <a:ea typeface="Open Sans"/>
                 <a:cs typeface="Open Sans"/>
@@ -34774,107 +34149,56 @@
               </a:rPr>
               <a:t>Implement user security on the restricted salary attribute.</a:t>
             </a:r>
-            <a:endParaRPr sz="2000" b="1">
+          </a:p>
+          <a:p>
+            <a:pPr marL="0" lvl="0" indent="0" algn="l" rtl="0">
+              <a:spcBef>
+                <a:spcPts val="0"/>
+              </a:spcBef>
+              <a:spcAft>
+                <a:spcPts val="0"/>
+              </a:spcAft>
+              <a:buNone/>
+            </a:pPr>
+            <a:endParaRPr sz="2000" b="1" dirty="0">
               <a:latin typeface="Open Sans"/>
               <a:ea typeface="Open Sans"/>
               <a:cs typeface="Open Sans"/>
               <a:sym typeface="Open Sans"/>
             </a:endParaRPr>
           </a:p>
-          <a:p>
-            <a:pPr marL="0" lvl="0" indent="0" algn="l" rtl="0">
-              <a:spcBef>
-                <a:spcPts val="1600"/>
-              </a:spcBef>
-              <a:spcAft>
-                <a:spcPts val="0"/>
-              </a:spcAft>
-              <a:buNone/>
-            </a:pPr>
-            <a:r>
-              <a:rPr lang="en" sz="1900">
-                <a:solidFill>
-                  <a:srgbClr val="FF0000"/>
-                </a:solidFill>
-              </a:rPr>
-              <a:t>Create a non-management user named </a:t>
-            </a:r>
-            <a:r>
-              <a:rPr lang="en" sz="1900">
-                <a:solidFill>
-                  <a:srgbClr val="FF0000"/>
-                </a:solidFill>
-                <a:latin typeface="Source Code Pro"/>
-                <a:ea typeface="Source Code Pro"/>
-                <a:cs typeface="Source Code Pro"/>
-                <a:sym typeface="Source Code Pro"/>
-              </a:rPr>
-              <a:t>NoMgr</a:t>
-            </a:r>
-            <a:r>
-              <a:rPr lang="en" sz="1900">
-                <a:solidFill>
-                  <a:srgbClr val="FF0000"/>
-                </a:solidFill>
-                <a:latin typeface="Open Sans"/>
-                <a:ea typeface="Open Sans"/>
-                <a:cs typeface="Open Sans"/>
-                <a:sym typeface="Open Sans"/>
-              </a:rPr>
-              <a:t>.</a:t>
-            </a:r>
-            <a:r>
-              <a:rPr lang="en" sz="1900">
-                <a:solidFill>
-                  <a:srgbClr val="FF0000"/>
-                </a:solidFill>
-              </a:rPr>
-              <a:t> Show the code of how your would grant access to the database, but revoke access to the salary data.</a:t>
-            </a:r>
-            <a:endParaRPr sz="1900">
-              <a:solidFill>
-                <a:srgbClr val="FF0000"/>
-              </a:solidFill>
-            </a:endParaRPr>
-          </a:p>
-          <a:p>
-            <a:pPr marL="0" lvl="0" indent="0" algn="l" rtl="0">
-              <a:spcBef>
-                <a:spcPts val="1600"/>
-              </a:spcBef>
-              <a:spcAft>
-                <a:spcPts val="0"/>
-              </a:spcAft>
-              <a:buNone/>
-            </a:pPr>
-            <a:r>
-              <a:rPr lang="en" sz="1900">
-                <a:solidFill>
-                  <a:srgbClr val="FF0000"/>
-                </a:solidFill>
-              </a:rPr>
-              <a:t>Submit screenshot of code</a:t>
-            </a:r>
-            <a:endParaRPr sz="1900">
-              <a:solidFill>
-                <a:srgbClr val="FF0000"/>
-              </a:solidFill>
-            </a:endParaRPr>
-          </a:p>
-          <a:p>
-            <a:pPr marL="457200" lvl="0" indent="0" algn="l" rtl="0">
-              <a:spcBef>
-                <a:spcPts val="1600"/>
-              </a:spcBef>
-              <a:spcAft>
-                <a:spcPts val="1600"/>
-              </a:spcAft>
-              <a:buNone/>
-            </a:pPr>
-            <a:endParaRPr sz="1900"/>
-          </a:p>
         </p:txBody>
       </p:sp>
+      <p:pic>
+        <p:nvPicPr>
+          <p:cNvPr id="3" name="Picture 2">
+            <a:extLst>
+              <a:ext uri="{FF2B5EF4-FFF2-40B4-BE49-F238E27FC236}">
+                <a16:creationId xmlns:a16="http://schemas.microsoft.com/office/drawing/2014/main" id="{F8885E3B-5401-2600-13AC-8DBE605A110A}"/>
+              </a:ext>
+            </a:extLst>
+          </p:cNvPr>
+          <p:cNvPicPr>
+            <a:picLocks noChangeAspect="1"/>
+          </p:cNvPicPr>
+          <p:nvPr/>
+        </p:nvPicPr>
+        <p:blipFill>
+          <a:blip r:embed="rId3"/>
+          <a:stretch>
+            <a:fillRect/>
+          </a:stretch>
+        </p:blipFill>
+        <p:spPr>
+          <a:xfrm>
+            <a:off x="180458" y="3890803"/>
+            <a:ext cx="7411484" cy="2276793"/>
+          </a:xfrm>
+          <a:prstGeom prst="rect">
+            <a:avLst/>
+          </a:prstGeom>
+        </p:spPr>
+      </p:pic>
     </p:spTree>
   </p:cSld>
   <p:clrMapOvr>
@@ -37185,11 +36509,8 @@
           </a:p>
           <a:p>
             <a:pPr marL="457200" lvl="0" indent="0" algn="l" rtl="0">
-              <a:lnSpc>
-                <a:spcPct val="100000"/>
-              </a:lnSpc>
-              <a:spcBef>
-                <a:spcPts val="1600"/>
+              <a:spcBef>
+                <a:spcPts val="0"/>
               </a:spcBef>
               <a:spcAft>
                 <a:spcPts val="0"/>
@@ -37197,64 +36518,43 @@
               <a:buNone/>
             </a:pPr>
             <a:r>
-              <a:rPr lang="en" sz="1700" dirty="0">
-                <a:solidFill>
-                  <a:srgbClr val="FF0000"/>
-                </a:solidFill>
-              </a:rPr>
-              <a:t>List the database objects (tables, views, special procedures)  that will be created for the database. </a:t>
+              <a:rPr lang="en-IN" sz="1900" b="1" dirty="0"/>
+              <a:t>Tables</a:t>
             </a:r>
-            <a:endParaRPr sz="1700" dirty="0">
-              <a:solidFill>
-                <a:srgbClr val="FF0000"/>
-              </a:solidFill>
-            </a:endParaRPr>
-          </a:p>
-          <a:p>
-            <a:pPr marL="457200" lvl="0" indent="0" algn="l" rtl="0">
-              <a:lnSpc>
-                <a:spcPct val="100000"/>
-              </a:lnSpc>
-              <a:spcBef>
-                <a:spcPts val="0"/>
-              </a:spcBef>
-              <a:spcAft>
-                <a:spcPts val="0"/>
-              </a:spcAft>
-              <a:buNone/>
-            </a:pPr>
-            <a:endParaRPr sz="1700" dirty="0">
-              <a:solidFill>
-                <a:srgbClr val="FF0000"/>
-              </a:solidFill>
-            </a:endParaRPr>
-          </a:p>
-          <a:p>
-            <a:pPr marL="457200" lvl="0" indent="0" algn="l" rtl="0">
-              <a:lnSpc>
-                <a:spcPct val="100000"/>
-              </a:lnSpc>
-              <a:spcBef>
-                <a:spcPts val="0"/>
-              </a:spcBef>
-              <a:spcAft>
-                <a:spcPts val="0"/>
-              </a:spcAft>
+            <a:r>
+              <a:rPr lang="en-IN" sz="1900" dirty="0"/>
+              <a:t>: Employee, </a:t>
+            </a:r>
+            <a:r>
+              <a:rPr lang="en-IN" sz="1900" dirty="0" err="1"/>
+              <a:t>Employee_history</a:t>
+            </a:r>
+            <a:r>
+              <a:rPr lang="en-IN" sz="1900" dirty="0"/>
+              <a:t>, address, job, salary, department, </a:t>
+            </a:r>
+            <a:r>
+              <a:rPr lang="en-IN" sz="1900" dirty="0" err="1"/>
+              <a:t>education_level</a:t>
+            </a:r>
+            <a:endParaRPr lang="en-IN" sz="1900" dirty="0"/>
+          </a:p>
+          <a:p>
+            <a:pPr indent="0">
               <a:buNone/>
             </a:pPr>
             <a:r>
-              <a:rPr lang="en" sz="1700" dirty="0">
-                <a:solidFill>
-                  <a:srgbClr val="FF0000"/>
-                </a:solidFill>
-              </a:rPr>
-              <a:t>Hint - you may want to circle back to this answer after completing the logical ERD in step 2.</a:t>
+              <a:rPr lang="en-IN" sz="1900" b="1" dirty="0"/>
+              <a:t>Views</a:t>
             </a:r>
-            <a:endParaRPr sz="1700" dirty="0">
-              <a:solidFill>
-                <a:srgbClr val="FF0000"/>
-              </a:solidFill>
-            </a:endParaRPr>
+            <a:r>
+              <a:rPr lang="en-IN" sz="1900" dirty="0"/>
+              <a:t>: </a:t>
+            </a:r>
+            <a:r>
+              <a:rPr lang="en-US" sz="1900" dirty="0"/>
+              <a:t>HUMAN_READABLE_VIEW_WITH_ALL_ATTRIBUTES</a:t>
+            </a:r>
           </a:p>
           <a:p>
             <a:pPr marL="457200" lvl="0" indent="0" algn="l" rtl="0">

--- a/project_1_tech_abc_hr_management/Project_report.pptx
+++ b/project_1_tech_abc_hr_management/Project_report.pptx
@@ -36463,7 +36463,7 @@
             </a:pPr>
             <a:r>
               <a:rPr lang="en-IN" sz="1700" dirty="0"/>
-              <a:t>Data integrity and security</a:t>
+              <a:t>The main objective in this case is to ensure Data Integrity and Data Security. </a:t>
             </a:r>
             <a:endParaRPr sz="1900" dirty="0"/>
           </a:p>
@@ -36616,7 +36616,15 @@
             </a:pPr>
             <a:r>
               <a:rPr lang="en" sz="1700" dirty="0"/>
-              <a:t>Select a data ingestion method (ETL, Direct feed, API) based on the information provided. </a:t>
+              <a:t>In this scenario.</a:t>
+            </a:r>
+            <a:r>
+              <a:rPr lang="en-US" sz="1700" dirty="0"/>
+              <a:t> ETL (Extract, Transform, Load) emerges as the suitable solution. By staging the data in the target system and processing it accordingly, we can effectively address any potential data issues and ensure the smooth functioning of the target system.</a:t>
+            </a:r>
+            <a:r>
+              <a:rPr lang="en" sz="1700" dirty="0"/>
+              <a:t>. </a:t>
             </a:r>
             <a:endParaRPr sz="1900" dirty="0"/>
           </a:p>
@@ -36846,28 +36854,19 @@
                 <a:cs typeface="Open Sans"/>
                 <a:sym typeface="Open Sans"/>
               </a:rPr>
-              <a:t>Scalability </a:t>
+              <a:t>Scalability: </a:t>
             </a:r>
-            <a:endParaRPr sz="1900" b="1" dirty="0">
-              <a:latin typeface="Open Sans"/>
-              <a:ea typeface="Open Sans"/>
-              <a:cs typeface="Open Sans"/>
-              <a:sym typeface="Open Sans"/>
-            </a:endParaRPr>
-          </a:p>
-          <a:p>
-            <a:pPr marL="457200" lvl="0" indent="0" algn="l" rtl="0">
-              <a:spcBef>
-                <a:spcPts val="1600"/>
-              </a:spcBef>
-              <a:spcAft>
-                <a:spcPts val="0"/>
-              </a:spcAft>
-              <a:buNone/>
-            </a:pPr>
             <a:r>
-              <a:rPr lang="en" sz="1700" dirty="0"/>
-              <a:t>Replication</a:t>
+              <a:rPr lang="en-IN" sz="1700" dirty="0"/>
+              <a:t>In this scenario, </a:t>
+            </a:r>
+            <a:r>
+              <a:rPr lang="en-US" sz="1700" dirty="0"/>
+              <a:t>as the number of users continues to grow each year, implementing database replication is the appropriate solution to manage the increasing user load</a:t>
+            </a:r>
+            <a:r>
+              <a:rPr lang="en-IN" sz="1700" dirty="0"/>
+              <a:t>.</a:t>
             </a:r>
             <a:endParaRPr sz="1700" dirty="0"/>
           </a:p>
@@ -36890,25 +36889,18 @@
                 <a:cs typeface="Open Sans"/>
                 <a:sym typeface="Open Sans"/>
               </a:rPr>
-              <a:t>Flexibility</a:t>
+              <a:t>Flexibility: </a:t>
             </a:r>
-            <a:endParaRPr sz="1900" dirty="0"/>
-          </a:p>
-          <a:p>
-            <a:pPr marL="457200" lvl="0" indent="0" algn="l" rtl="0">
-              <a:spcBef>
-                <a:spcPts val="1600"/>
-              </a:spcBef>
-              <a:spcAft>
-                <a:spcPts val="0"/>
-              </a:spcAft>
-              <a:buNone/>
-            </a:pPr>
             <a:r>
-              <a:rPr lang="en" sz="1700" dirty="0"/>
-              <a:t>Direct feed </a:t>
+              <a:rPr lang="en-US" sz="1700" dirty="0"/>
+              <a:t>Considering the given scenario, opting for a direct feed as a solution for future needs would be more suitable. This approach facilitates seamless integration of streaming data, enabling real-time or near-real-time data integration. Additionally, it is capable of efficiently managing substantial data volumes.</a:t>
             </a:r>
-            <a:endParaRPr sz="1700" dirty="0"/>
+            <a:endParaRPr lang="en-US" sz="1700" b="1" dirty="0">
+              <a:latin typeface="Open Sans"/>
+              <a:ea typeface="Open Sans"/>
+              <a:cs typeface="Open Sans"/>
+              <a:sym typeface="Open Sans"/>
+            </a:endParaRPr>
           </a:p>
           <a:p>
             <a:pPr marL="457200" lvl="0" indent="-349250" algn="l" rtl="0">
@@ -37043,25 +37035,8 @@
                 <a:cs typeface="Open Sans"/>
                 <a:sym typeface="Open Sans"/>
               </a:rPr>
-              <a:t>Backup</a:t>
+              <a:t>Backup: </a:t>
             </a:r>
-            <a:endParaRPr sz="1900" b="1" dirty="0">
-              <a:latin typeface="Open Sans"/>
-              <a:ea typeface="Open Sans"/>
-              <a:cs typeface="Open Sans"/>
-              <a:sym typeface="Open Sans"/>
-            </a:endParaRPr>
-          </a:p>
-          <a:p>
-            <a:pPr marL="457200" lvl="0" indent="0" algn="l" rtl="0">
-              <a:spcBef>
-                <a:spcPts val="1600"/>
-              </a:spcBef>
-              <a:spcAft>
-                <a:spcPts val="0"/>
-              </a:spcAft>
-              <a:buNone/>
-            </a:pPr>
             <a:r>
               <a:rPr lang="en-IN" sz="1700" dirty="0"/>
               <a:t>Interval backups on Daily basis, Full back up on weekly basis</a:t>
